--- a/STROKE DATA ANALYSIS.pptx
+++ b/STROKE DATA ANALYSIS.pptx
@@ -12,10 +12,9 @@
     <p:sldId id="258" r:id="rId6"/>
     <p:sldId id="257" r:id="rId7"/>
     <p:sldId id="259" r:id="rId8"/>
-    <p:sldId id="260" r:id="rId9"/>
-    <p:sldId id="270" r:id="rId10"/>
-    <p:sldId id="271" r:id="rId11"/>
-    <p:sldId id="269" r:id="rId12"/>
+    <p:sldId id="270" r:id="rId9"/>
+    <p:sldId id="271" r:id="rId10"/>
+    <p:sldId id="269" r:id="rId11"/>
   </p:sldIdLst>
   <p:sldSz cx="12192000" cy="6858000"/>
   <p:notesSz cx="6858000" cy="9144000"/>
@@ -269,7 +268,7 @@
           <a:p>
             <a:fld id="{1F4B0067-3B90-4C3F-9FFF-1F0EE4520AA0}" type="datetimeFigureOut">
               <a:rPr lang="en-US" smtClean="0"/>
-              <a:t>1/28/2024</a:t>
+              <a:t>2/13/2024</a:t>
             </a:fld>
             <a:endParaRPr lang="en-US"/>
           </a:p>
@@ -467,7 +466,7 @@
           <a:p>
             <a:fld id="{1F4B0067-3B90-4C3F-9FFF-1F0EE4520AA0}" type="datetimeFigureOut">
               <a:rPr lang="en-US" smtClean="0"/>
-              <a:t>1/28/2024</a:t>
+              <a:t>2/13/2024</a:t>
             </a:fld>
             <a:endParaRPr lang="en-US"/>
           </a:p>
@@ -675,7 +674,7 @@
           <a:p>
             <a:fld id="{1F4B0067-3B90-4C3F-9FFF-1F0EE4520AA0}" type="datetimeFigureOut">
               <a:rPr lang="en-US" smtClean="0"/>
-              <a:t>1/28/2024</a:t>
+              <a:t>2/13/2024</a:t>
             </a:fld>
             <a:endParaRPr lang="en-US"/>
           </a:p>
@@ -873,7 +872,7 @@
           <a:p>
             <a:fld id="{1F4B0067-3B90-4C3F-9FFF-1F0EE4520AA0}" type="datetimeFigureOut">
               <a:rPr lang="en-US" smtClean="0"/>
-              <a:t>1/28/2024</a:t>
+              <a:t>2/13/2024</a:t>
             </a:fld>
             <a:endParaRPr lang="en-US"/>
           </a:p>
@@ -1148,7 +1147,7 @@
           <a:p>
             <a:fld id="{1F4B0067-3B90-4C3F-9FFF-1F0EE4520AA0}" type="datetimeFigureOut">
               <a:rPr lang="en-US" smtClean="0"/>
-              <a:t>1/28/2024</a:t>
+              <a:t>2/13/2024</a:t>
             </a:fld>
             <a:endParaRPr lang="en-US"/>
           </a:p>
@@ -1413,7 +1412,7 @@
           <a:p>
             <a:fld id="{1F4B0067-3B90-4C3F-9FFF-1F0EE4520AA0}" type="datetimeFigureOut">
               <a:rPr lang="en-US" smtClean="0"/>
-              <a:t>1/28/2024</a:t>
+              <a:t>2/13/2024</a:t>
             </a:fld>
             <a:endParaRPr lang="en-US"/>
           </a:p>
@@ -1825,7 +1824,7 @@
           <a:p>
             <a:fld id="{1F4B0067-3B90-4C3F-9FFF-1F0EE4520AA0}" type="datetimeFigureOut">
               <a:rPr lang="en-US" smtClean="0"/>
-              <a:t>1/28/2024</a:t>
+              <a:t>2/13/2024</a:t>
             </a:fld>
             <a:endParaRPr lang="en-US"/>
           </a:p>
@@ -1966,7 +1965,7 @@
           <a:p>
             <a:fld id="{1F4B0067-3B90-4C3F-9FFF-1F0EE4520AA0}" type="datetimeFigureOut">
               <a:rPr lang="en-US" smtClean="0"/>
-              <a:t>1/28/2024</a:t>
+              <a:t>2/13/2024</a:t>
             </a:fld>
             <a:endParaRPr lang="en-US"/>
           </a:p>
@@ -2079,7 +2078,7 @@
           <a:p>
             <a:fld id="{1F4B0067-3B90-4C3F-9FFF-1F0EE4520AA0}" type="datetimeFigureOut">
               <a:rPr lang="en-US" smtClean="0"/>
-              <a:t>1/28/2024</a:t>
+              <a:t>2/13/2024</a:t>
             </a:fld>
             <a:endParaRPr lang="en-US"/>
           </a:p>
@@ -2390,7 +2389,7 @@
           <a:p>
             <a:fld id="{1F4B0067-3B90-4C3F-9FFF-1F0EE4520AA0}" type="datetimeFigureOut">
               <a:rPr lang="en-US" smtClean="0"/>
-              <a:t>1/28/2024</a:t>
+              <a:t>2/13/2024</a:t>
             </a:fld>
             <a:endParaRPr lang="en-US"/>
           </a:p>
@@ -2678,7 +2677,7 @@
           <a:p>
             <a:fld id="{1F4B0067-3B90-4C3F-9FFF-1F0EE4520AA0}" type="datetimeFigureOut">
               <a:rPr lang="en-US" smtClean="0"/>
-              <a:t>1/28/2024</a:t>
+              <a:t>2/13/2024</a:t>
             </a:fld>
             <a:endParaRPr lang="en-US"/>
           </a:p>
@@ -2919,7 +2918,7 @@
           <a:p>
             <a:fld id="{1F4B0067-3B90-4C3F-9FFF-1F0EE4520AA0}" type="datetimeFigureOut">
               <a:rPr lang="en-US" smtClean="0"/>
-              <a:t>1/28/2024</a:t>
+              <a:t>2/13/2024</a:t>
             </a:fld>
             <a:endParaRPr lang="en-US"/>
           </a:p>
@@ -3398,75 +3397,6 @@
           </a:p>
         </p:txBody>
       </p:sp>
-      <p:sp>
-        <p:nvSpPr>
-          <p:cNvPr id="3" name="Subtitle 2">
-            <a:extLst>
-              <a:ext uri="{FF2B5EF4-FFF2-40B4-BE49-F238E27FC236}">
-                <a16:creationId xmlns:a16="http://schemas.microsoft.com/office/drawing/2014/main" id="{A9BF434A-CD6A-4D3A-AEA6-200A202D22DD}"/>
-              </a:ext>
-            </a:extLst>
-          </p:cNvPr>
-          <p:cNvSpPr>
-            <a:spLocks noGrp="1"/>
-          </p:cNvSpPr>
-          <p:nvPr>
-            <p:ph type="subTitle" idx="1"/>
-          </p:nvPr>
-        </p:nvSpPr>
-        <p:spPr>
-          <a:xfrm>
-            <a:off x="903798" y="2804871"/>
-            <a:ext cx="9144000" cy="827087"/>
-          </a:xfrm>
-        </p:spPr>
-        <p:txBody>
-          <a:bodyPr>
-            <a:normAutofit lnSpcReduction="10000"/>
-          </a:bodyPr>
-          <a:lstStyle/>
-          <a:p>
-            <a:r>
-              <a:rPr lang="en-US" dirty="0">
-                <a:latin typeface="Trebuchet MS" panose="020B0603020202020204" pitchFamily="34" charset="0"/>
-              </a:rPr>
-              <a:t>GROUP 8:</a:t>
-            </a:r>
-          </a:p>
-          <a:p>
-            <a:r>
-              <a:rPr lang="en-US" dirty="0">
-                <a:latin typeface="Trebuchet MS" panose="020B0603020202020204" pitchFamily="34" charset="0"/>
-              </a:rPr>
-              <a:t>Charles/Brian/</a:t>
-            </a:r>
-            <a:r>
-              <a:rPr lang="en-US" dirty="0" err="1">
-                <a:latin typeface="Trebuchet MS" panose="020B0603020202020204" pitchFamily="34" charset="0"/>
-              </a:rPr>
-              <a:t>Phemina</a:t>
-            </a:r>
-            <a:r>
-              <a:rPr lang="en-US" dirty="0">
-                <a:latin typeface="Trebuchet MS" panose="020B0603020202020204" pitchFamily="34" charset="0"/>
-              </a:rPr>
-              <a:t>/Joan/</a:t>
-            </a:r>
-            <a:r>
-              <a:rPr lang="en-US" dirty="0" err="1">
-                <a:latin typeface="Trebuchet MS" panose="020B0603020202020204" pitchFamily="34" charset="0"/>
-              </a:rPr>
-              <a:t>Malon</a:t>
-            </a:r>
-            <a:r>
-              <a:rPr lang="en-US" dirty="0">
-                <a:latin typeface="Trebuchet MS" panose="020B0603020202020204" pitchFamily="34" charset="0"/>
-              </a:rPr>
-              <a:t>/Cynthia  </a:t>
-            </a:r>
-          </a:p>
-        </p:txBody>
-      </p:sp>
     </p:spTree>
     <p:extLst>
       <p:ext uri="{BB962C8B-B14F-4D97-AF65-F5344CB8AC3E}">
@@ -3481,263 +3411,6 @@
 </file>
 
 <file path=ppt/slides/slide10.xml><?xml version="1.0" encoding="utf-8"?>
-<p:sld xmlns:a="http://schemas.openxmlformats.org/drawingml/2006/main" xmlns:r="http://schemas.openxmlformats.org/officeDocument/2006/relationships" xmlns:p="http://schemas.openxmlformats.org/presentationml/2006/main">
-  <p:cSld>
-    <p:spTree>
-      <p:nvGrpSpPr>
-        <p:cNvPr id="1" name=""/>
-        <p:cNvGrpSpPr/>
-        <p:nvPr/>
-      </p:nvGrpSpPr>
-      <p:grpSpPr>
-        <a:xfrm>
-          <a:off x="0" y="0"/>
-          <a:ext cx="0" cy="0"/>
-          <a:chOff x="0" y="0"/>
-          <a:chExt cx="0" cy="0"/>
-        </a:xfrm>
-      </p:grpSpPr>
-      <p:sp>
-        <p:nvSpPr>
-          <p:cNvPr id="2" name="Title 1">
-            <a:extLst>
-              <a:ext uri="{FF2B5EF4-FFF2-40B4-BE49-F238E27FC236}">
-                <a16:creationId xmlns:a16="http://schemas.microsoft.com/office/drawing/2014/main" id="{C41B82A8-9769-404A-95E9-ED8C48F33287}"/>
-              </a:ext>
-            </a:extLst>
-          </p:cNvPr>
-          <p:cNvSpPr>
-            <a:spLocks noGrp="1"/>
-          </p:cNvSpPr>
-          <p:nvPr>
-            <p:ph type="title"/>
-          </p:nvPr>
-        </p:nvSpPr>
-        <p:spPr>
-          <a:xfrm>
-            <a:off x="838200" y="365125"/>
-            <a:ext cx="10515600" cy="453859"/>
-          </a:xfrm>
-        </p:spPr>
-        <p:txBody>
-          <a:bodyPr>
-            <a:normAutofit fontScale="90000"/>
-          </a:bodyPr>
-          <a:lstStyle/>
-          <a:p>
-            <a:pPr algn="ctr"/>
-            <a:r>
-              <a:rPr lang="en-US" sz="2800" b="1" dirty="0">
-                <a:latin typeface="Trebuchet MS" panose="020B0603020202020204" pitchFamily="34" charset="0"/>
-              </a:rPr>
-              <a:t>RECOMMENDATIONS</a:t>
-            </a:r>
-          </a:p>
-        </p:txBody>
-      </p:sp>
-      <p:sp>
-        <p:nvSpPr>
-          <p:cNvPr id="3" name="Content Placeholder 2">
-            <a:extLst>
-              <a:ext uri="{FF2B5EF4-FFF2-40B4-BE49-F238E27FC236}">
-                <a16:creationId xmlns:a16="http://schemas.microsoft.com/office/drawing/2014/main" id="{D7CE5FE2-D483-43E7-A929-6B5E41F8C221}"/>
-              </a:ext>
-            </a:extLst>
-          </p:cNvPr>
-          <p:cNvSpPr>
-            <a:spLocks noGrp="1"/>
-          </p:cNvSpPr>
-          <p:nvPr>
-            <p:ph idx="1"/>
-          </p:nvPr>
-        </p:nvSpPr>
-        <p:spPr>
-          <a:xfrm>
-            <a:off x="838200" y="818984"/>
-            <a:ext cx="10515600" cy="5748793"/>
-          </a:xfrm>
-        </p:spPr>
-        <p:txBody>
-          <a:bodyPr>
-            <a:normAutofit/>
-          </a:bodyPr>
-          <a:lstStyle/>
-          <a:p>
-            <a:pPr marL="0" indent="0" algn="just">
-              <a:buNone/>
-            </a:pPr>
-            <a:r>
-              <a:rPr lang="en-US" sz="1400" dirty="0">
-                <a:latin typeface="Trebuchet MS" panose="020B0603020202020204" pitchFamily="34" charset="0"/>
-              </a:rPr>
-              <a:t>1.  Develop appropriate interventions tailored to address risk factors prevalent in certain demographics. </a:t>
-            </a:r>
-          </a:p>
-          <a:p>
-            <a:pPr marL="0" indent="0" algn="just">
-              <a:buNone/>
-            </a:pPr>
-            <a:r>
-              <a:rPr lang="en-US" sz="1400" dirty="0">
-                <a:latin typeface="Trebuchet MS" panose="020B0603020202020204" pitchFamily="34" charset="0"/>
-              </a:rPr>
-              <a:t>2. In lifestyle factors we can launch community programs promoting healthy lifestyles</a:t>
-            </a:r>
-          </a:p>
-          <a:p>
-            <a:pPr marL="0" indent="0" algn="just">
-              <a:buNone/>
-            </a:pPr>
-            <a:r>
-              <a:rPr lang="en-US" sz="1400" dirty="0">
-                <a:latin typeface="Trebuchet MS" panose="020B0603020202020204" pitchFamily="34" charset="0"/>
-              </a:rPr>
-              <a:t>3. Average BMI for married individuals. Explore the factors contributing to the higher average BMI among married individuals. </a:t>
-            </a:r>
-          </a:p>
-          <a:p>
-            <a:pPr marL="457200" lvl="1" indent="0" algn="just">
-              <a:buNone/>
-            </a:pPr>
-            <a:r>
-              <a:rPr lang="en-US" sz="1400" dirty="0">
-                <a:latin typeface="Trebuchet MS" panose="020B0603020202020204" pitchFamily="34" charset="0"/>
-              </a:rPr>
-              <a:t>Could it be lifestyle choices, dietary habits, or other socio-economic factors?</a:t>
-            </a:r>
-          </a:p>
-          <a:p>
-            <a:pPr marL="457200" lvl="1" indent="0" algn="just">
-              <a:buNone/>
-            </a:pPr>
-            <a:r>
-              <a:rPr lang="en-US" sz="1400" dirty="0">
-                <a:latin typeface="Trebuchet MS" panose="020B0603020202020204" pitchFamily="34" charset="0"/>
-              </a:rPr>
-              <a:t>Carry out a survey to gather qualitative data on lifestyle choices among married and unmarried individuals.</a:t>
-            </a:r>
-            <a:r>
-              <a:rPr lang="en-US" sz="1000" dirty="0">
-                <a:latin typeface="Trebuchet MS" panose="020B0603020202020204" pitchFamily="34" charset="0"/>
-              </a:rPr>
-              <a:t>	</a:t>
-            </a:r>
-          </a:p>
-          <a:p>
-            <a:pPr marL="0" indent="0" algn="just">
-              <a:buNone/>
-            </a:pPr>
-            <a:r>
-              <a:rPr lang="en-US" sz="1400" dirty="0">
-                <a:latin typeface="Trebuchet MS" panose="020B0603020202020204" pitchFamily="34" charset="0"/>
-              </a:rPr>
-              <a:t>4. Glucose Levels for Smokers:</a:t>
-            </a:r>
-          </a:p>
-          <a:p>
-            <a:pPr marL="457200" lvl="1" indent="0" algn="just">
-              <a:buNone/>
-            </a:pPr>
-            <a:r>
-              <a:rPr lang="en-US" sz="1400" dirty="0">
-                <a:latin typeface="Trebuchet MS" panose="020B0603020202020204" pitchFamily="34" charset="0"/>
-              </a:rPr>
-              <a:t>Investigate the reasons behind the lower glucose levels among smokers compared to non-smokers or those who quit smoking. </a:t>
-            </a:r>
-          </a:p>
-          <a:p>
-            <a:pPr marL="457200" lvl="1" indent="0" algn="just">
-              <a:buNone/>
-            </a:pPr>
-            <a:r>
-              <a:rPr lang="en-US" sz="1400" dirty="0">
-                <a:latin typeface="Trebuchet MS" panose="020B0603020202020204" pitchFamily="34" charset="0"/>
-              </a:rPr>
-              <a:t>Assess whether this is due to lifestyle factors or if there are other underlying reasons.	</a:t>
-            </a:r>
-          </a:p>
-          <a:p>
-            <a:pPr marL="457200" lvl="1" indent="0" algn="just">
-              <a:buNone/>
-            </a:pPr>
-            <a:r>
-              <a:rPr lang="en-US" sz="1400" dirty="0">
-                <a:latin typeface="Trebuchet MS" panose="020B0603020202020204" pitchFamily="34" charset="0"/>
-              </a:rPr>
-              <a:t>Explore the impact of stopping smoking on glucose levels. </a:t>
-            </a:r>
-          </a:p>
-          <a:p>
-            <a:pPr marL="457200" lvl="1" indent="0" algn="just">
-              <a:buNone/>
-            </a:pPr>
-            <a:r>
-              <a:rPr lang="en-US" sz="1400" dirty="0">
-                <a:latin typeface="Trebuchet MS" panose="020B0603020202020204" pitchFamily="34" charset="0"/>
-              </a:rPr>
-              <a:t>Carry out a survey or research to identify potential health risks associated with lower glucose levels in smokers.</a:t>
-            </a:r>
-          </a:p>
-          <a:p>
-            <a:pPr marL="0" indent="0" algn="just">
-              <a:buNone/>
-            </a:pPr>
-            <a:r>
-              <a:rPr lang="en-US" sz="1400" dirty="0">
-                <a:latin typeface="Trebuchet MS" panose="020B0603020202020204" pitchFamily="34" charset="0"/>
-              </a:rPr>
-              <a:t>5. Average Glucose Levels and Hypertension versus Employment Status:	</a:t>
-            </a:r>
-          </a:p>
-          <a:p>
-            <a:pPr marL="457200" lvl="1" indent="0" algn="just">
-              <a:buNone/>
-            </a:pPr>
-            <a:r>
-              <a:rPr lang="en-US" sz="1400" dirty="0">
-                <a:latin typeface="Trebuchet MS" panose="020B0603020202020204" pitchFamily="34" charset="0"/>
-              </a:rPr>
-              <a:t>Further investigate the relationship between average glucose levels, hypertension, and employment status to check whether there are specific occupational factors contributing to glucose levels.	</a:t>
-            </a:r>
-          </a:p>
-          <a:p>
-            <a:pPr marL="457200" lvl="1" indent="0" algn="just">
-              <a:buNone/>
-            </a:pPr>
-            <a:r>
-              <a:rPr lang="en-US" sz="1400" dirty="0">
-                <a:latin typeface="Trebuchet MS" panose="020B0603020202020204" pitchFamily="34" charset="0"/>
-              </a:rPr>
-              <a:t>Explore how employment status impacts on lifestyle choices which finally may have an influence glucose level.</a:t>
-            </a:r>
-          </a:p>
-          <a:p>
-            <a:pPr marL="0" indent="0" algn="just">
-              <a:buNone/>
-            </a:pPr>
-            <a:r>
-              <a:rPr lang="en-US" sz="1400" dirty="0">
-                <a:latin typeface="Trebuchet MS" panose="020B0603020202020204" pitchFamily="34" charset="0"/>
-              </a:rPr>
-              <a:t>6. Carry out a research on an equal sample size to investigate the prevalence of stroke among the sectors.</a:t>
-            </a:r>
-          </a:p>
-        </p:txBody>
-      </p:sp>
-    </p:spTree>
-    <p:extLst>
-      <p:ext uri="{BB962C8B-B14F-4D97-AF65-F5344CB8AC3E}">
-        <p14:creationId xmlns:p14="http://schemas.microsoft.com/office/powerpoint/2010/main" val="2438299289"/>
-      </p:ext>
-    </p:extLst>
-  </p:cSld>
-  <p:clrMapOvr>
-    <a:masterClrMapping/>
-  </p:clrMapOvr>
-</p:sld>
-</file>
-
-<file path=ppt/slides/slide11.xml><?xml version="1.0" encoding="utf-8"?>
 <p:sld xmlns:a="http://schemas.openxmlformats.org/drawingml/2006/main" xmlns:r="http://schemas.openxmlformats.org/officeDocument/2006/relationships" xmlns:p="http://schemas.openxmlformats.org/presentationml/2006/main">
   <p:cSld>
     <p:spTree>
@@ -4093,7 +3766,7 @@
         </p:blipFill>
         <p:spPr>
           <a:xfrm>
-            <a:off x="196503" y="476250"/>
+            <a:off x="196503" y="775936"/>
             <a:ext cx="3019425" cy="2952750"/>
           </a:xfrm>
           <a:prstGeom prst="rect">
@@ -4130,7 +3803,7 @@
         </p:blipFill>
         <p:spPr bwMode="auto">
           <a:xfrm>
-            <a:off x="196503" y="3553089"/>
+            <a:off x="3613950" y="586805"/>
             <a:ext cx="3019425" cy="2952750"/>
           </a:xfrm>
           <a:prstGeom prst="rect">
@@ -4164,7 +3837,7 @@
         </p:nvCxnSpPr>
         <p:spPr>
           <a:xfrm flipV="1">
-            <a:off x="4107225" y="1256305"/>
+            <a:off x="7221900" y="1305830"/>
             <a:ext cx="2178658" cy="15902"/>
           </a:xfrm>
           <a:prstGeom prst="line">
@@ -4207,7 +3880,7 @@
         </p:nvSpPr>
         <p:spPr>
           <a:xfrm>
-            <a:off x="4107225" y="1566986"/>
+            <a:off x="7126648" y="1566986"/>
             <a:ext cx="4868849" cy="369332"/>
           </a:xfrm>
           <a:prstGeom prst="rect">
@@ -4246,7 +3919,7 @@
         </p:nvCxnSpPr>
         <p:spPr>
           <a:xfrm flipV="1">
-            <a:off x="4107225" y="4080344"/>
+            <a:off x="7221900" y="4681217"/>
             <a:ext cx="2178658" cy="15902"/>
           </a:xfrm>
           <a:prstGeom prst="line">
@@ -4289,7 +3962,7 @@
         </p:nvSpPr>
         <p:spPr>
           <a:xfrm>
-            <a:off x="3972051" y="4296357"/>
+            <a:off x="7058396" y="2764858"/>
             <a:ext cx="4868849" cy="369332"/>
           </a:xfrm>
           <a:prstGeom prst="rect">
@@ -4308,6 +3981,192 @@
                 <a:latin typeface="Trebuchet MS" panose="020B0603020202020204" pitchFamily="34" charset="0"/>
               </a:rPr>
               <a:t>Stroke is highly significant in married couple</a:t>
+            </a:r>
+          </a:p>
+        </p:txBody>
+      </p:sp>
+      <p:sp>
+        <p:nvSpPr>
+          <p:cNvPr id="2" name="TextBox 1">
+            <a:extLst>
+              <a:ext uri="{FF2B5EF4-FFF2-40B4-BE49-F238E27FC236}">
+                <a16:creationId xmlns:a16="http://schemas.microsoft.com/office/drawing/2014/main" id="{61406B75-E5C1-4576-8899-CC2D5C552176}"/>
+              </a:ext>
+            </a:extLst>
+          </p:cNvPr>
+          <p:cNvSpPr txBox="1"/>
+          <p:nvPr/>
+        </p:nvSpPr>
+        <p:spPr>
+          <a:xfrm>
+            <a:off x="2257425" y="85725"/>
+            <a:ext cx="7896658" cy="646331"/>
+          </a:xfrm>
+          <a:prstGeom prst="rect">
+            <a:avLst/>
+          </a:prstGeom>
+          <a:noFill/>
+        </p:spPr>
+        <p:txBody>
+          <a:bodyPr wrap="square" rtlCol="0">
+            <a:spAutoFit/>
+          </a:bodyPr>
+          <a:lstStyle/>
+          <a:p>
+            <a:r>
+              <a:rPr lang="en-US" b="1" dirty="0">
+                <a:latin typeface="Trebuchet MS" panose="020B0603020202020204" pitchFamily="34" charset="0"/>
+              </a:rPr>
+              <a:t>DISTRIBUTION OF STROKE AMONG GENDER, MARITAL STATUS &amp; RESIDENCE TYPE</a:t>
+            </a:r>
+          </a:p>
+        </p:txBody>
+      </p:sp>
+      <p:pic>
+        <p:nvPicPr>
+          <p:cNvPr id="10" name="Picture 4">
+            <a:extLst>
+              <a:ext uri="{FF2B5EF4-FFF2-40B4-BE49-F238E27FC236}">
+                <a16:creationId xmlns:a16="http://schemas.microsoft.com/office/drawing/2014/main" id="{4364743E-D1E2-43B1-B1D6-72146F6941C2}"/>
+              </a:ext>
+            </a:extLst>
+          </p:cNvPr>
+          <p:cNvPicPr>
+            <a:picLocks noChangeAspect="1" noChangeArrowheads="1"/>
+          </p:cNvPicPr>
+          <p:nvPr/>
+        </p:nvPicPr>
+        <p:blipFill>
+          <a:blip r:embed="rId4">
+            <a:extLst>
+              <a:ext uri="{28A0092B-C50C-407E-A947-70E740481C1C}">
+                <a14:useLocalDpi xmlns:a14="http://schemas.microsoft.com/office/drawing/2010/main" val="0"/>
+              </a:ext>
+            </a:extLst>
+          </a:blip>
+          <a:srcRect/>
+          <a:stretch>
+            <a:fillRect/>
+          </a:stretch>
+        </p:blipFill>
+        <p:spPr bwMode="auto">
+          <a:xfrm>
+            <a:off x="2122126" y="3905250"/>
+            <a:ext cx="2847975" cy="2952750"/>
+          </a:xfrm>
+          <a:prstGeom prst="rect">
+            <a:avLst/>
+          </a:prstGeom>
+          <a:noFill/>
+          <a:extLst>
+            <a:ext uri="{909E8E84-426E-40DD-AFC4-6F175D3DCCD1}">
+              <a14:hiddenFill xmlns:a14="http://schemas.microsoft.com/office/drawing/2010/main">
+                <a:solidFill>
+                  <a:srgbClr val="FFFFFF"/>
+                </a:solidFill>
+              </a14:hiddenFill>
+            </a:ext>
+          </a:extLst>
+        </p:spPr>
+      </p:pic>
+      <p:cxnSp>
+        <p:nvCxnSpPr>
+          <p:cNvPr id="11" name="Straight Connector 10">
+            <a:extLst>
+              <a:ext uri="{FF2B5EF4-FFF2-40B4-BE49-F238E27FC236}">
+                <a16:creationId xmlns:a16="http://schemas.microsoft.com/office/drawing/2014/main" id="{A5D908CF-B234-4C48-9B40-96A60C9FBF33}"/>
+              </a:ext>
+            </a:extLst>
+          </p:cNvPr>
+          <p:cNvCxnSpPr>
+            <a:cxnSpLocks/>
+          </p:cNvCxnSpPr>
+          <p:nvPr/>
+        </p:nvCxnSpPr>
+        <p:spPr>
+          <a:xfrm flipV="1">
+            <a:off x="7221900" y="2502940"/>
+            <a:ext cx="2178658" cy="15902"/>
+          </a:xfrm>
+          <a:prstGeom prst="line">
+            <a:avLst/>
+          </a:prstGeom>
+          <a:ln>
+            <a:solidFill>
+              <a:schemeClr val="accent6">
+                <a:lumMod val="50000"/>
+              </a:schemeClr>
+            </a:solidFill>
+          </a:ln>
+        </p:spPr>
+        <p:style>
+          <a:lnRef idx="1">
+            <a:schemeClr val="accent1"/>
+          </a:lnRef>
+          <a:fillRef idx="0">
+            <a:schemeClr val="accent1"/>
+          </a:fillRef>
+          <a:effectRef idx="0">
+            <a:schemeClr val="accent1"/>
+          </a:effectRef>
+          <a:fontRef idx="minor">
+            <a:schemeClr val="tx1"/>
+          </a:fontRef>
+        </p:style>
+      </p:cxnSp>
+      <p:sp>
+        <p:nvSpPr>
+          <p:cNvPr id="13" name="TextBox 12">
+            <a:extLst>
+              <a:ext uri="{FF2B5EF4-FFF2-40B4-BE49-F238E27FC236}">
+                <a16:creationId xmlns:a16="http://schemas.microsoft.com/office/drawing/2014/main" id="{02D1AAEF-FC4C-4C06-BF6D-CC3425F9F08D}"/>
+              </a:ext>
+            </a:extLst>
+          </p:cNvPr>
+          <p:cNvSpPr txBox="1"/>
+          <p:nvPr/>
+        </p:nvSpPr>
+        <p:spPr>
+          <a:xfrm>
+            <a:off x="7126648" y="5090505"/>
+            <a:ext cx="4868850" cy="923330"/>
+          </a:xfrm>
+          <a:prstGeom prst="rect">
+            <a:avLst/>
+          </a:prstGeom>
+          <a:noFill/>
+        </p:spPr>
+        <p:txBody>
+          <a:bodyPr wrap="square" rtlCol="0">
+            <a:spAutoFit/>
+          </a:bodyPr>
+          <a:lstStyle/>
+          <a:p>
+            <a:r>
+              <a:rPr lang="en-US" dirty="0">
+                <a:latin typeface="Trebuchet MS" panose="020B0603020202020204" pitchFamily="34" charset="0"/>
+              </a:rPr>
+              <a:t>Residence type has no significance in attack by stroke. </a:t>
+            </a:r>
+            <a:r>
+              <a:rPr lang="en-US" dirty="0" err="1">
+                <a:latin typeface="Trebuchet MS" panose="020B0603020202020204" pitchFamily="34" charset="0"/>
+              </a:rPr>
+              <a:t>i.e</a:t>
+            </a:r>
+            <a:r>
+              <a:rPr lang="en-US" dirty="0">
+                <a:latin typeface="Trebuchet MS" panose="020B0603020202020204" pitchFamily="34" charset="0"/>
+              </a:rPr>
+              <a:t> stroke has the same rate of </a:t>
+            </a:r>
+          </a:p>
+          <a:p>
+            <a:r>
+              <a:rPr lang="en-US" dirty="0">
+                <a:latin typeface="Trebuchet MS" panose="020B0603020202020204" pitchFamily="34" charset="0"/>
+              </a:rPr>
+              <a:t>attack in either</a:t>
             </a:r>
           </a:p>
         </p:txBody>
@@ -4342,100 +4201,6 @@
           <a:chExt cx="0" cy="0"/>
         </a:xfrm>
       </p:grpSpPr>
-      <p:pic>
-        <p:nvPicPr>
-          <p:cNvPr id="2" name="Picture 4">
-            <a:extLst>
-              <a:ext uri="{FF2B5EF4-FFF2-40B4-BE49-F238E27FC236}">
-                <a16:creationId xmlns:a16="http://schemas.microsoft.com/office/drawing/2014/main" id="{BBE0F0AF-E97D-4E5E-9F9C-6DB446B7CCF5}"/>
-              </a:ext>
-            </a:extLst>
-          </p:cNvPr>
-          <p:cNvPicPr>
-            <a:picLocks noChangeAspect="1" noChangeArrowheads="1"/>
-          </p:cNvPicPr>
-          <p:nvPr/>
-        </p:nvPicPr>
-        <p:blipFill>
-          <a:blip r:embed="rId2">
-            <a:extLst>
-              <a:ext uri="{28A0092B-C50C-407E-A947-70E740481C1C}">
-                <a14:useLocalDpi xmlns:a14="http://schemas.microsoft.com/office/drawing/2010/main" val="0"/>
-              </a:ext>
-            </a:extLst>
-          </a:blip>
-          <a:srcRect/>
-          <a:stretch>
-            <a:fillRect/>
-          </a:stretch>
-        </p:blipFill>
-        <p:spPr bwMode="auto">
-          <a:xfrm>
-            <a:off x="417733" y="3429000"/>
-            <a:ext cx="2847975" cy="2952750"/>
-          </a:xfrm>
-          <a:prstGeom prst="rect">
-            <a:avLst/>
-          </a:prstGeom>
-          <a:noFill/>
-          <a:extLst>
-            <a:ext uri="{909E8E84-426E-40DD-AFC4-6F175D3DCCD1}">
-              <a14:hiddenFill xmlns:a14="http://schemas.microsoft.com/office/drawing/2010/main">
-                <a:solidFill>
-                  <a:srgbClr val="FFFFFF"/>
-                </a:solidFill>
-              </a14:hiddenFill>
-            </a:ext>
-          </a:extLst>
-        </p:spPr>
-      </p:pic>
-      <p:pic>
-        <p:nvPicPr>
-          <p:cNvPr id="6146" name="Picture 2">
-            <a:extLst>
-              <a:ext uri="{FF2B5EF4-FFF2-40B4-BE49-F238E27FC236}">
-                <a16:creationId xmlns:a16="http://schemas.microsoft.com/office/drawing/2014/main" id="{B3D58D92-43AD-46C1-9DA3-7D0140D910A4}"/>
-              </a:ext>
-            </a:extLst>
-          </p:cNvPr>
-          <p:cNvPicPr>
-            <a:picLocks noChangeAspect="1" noChangeArrowheads="1"/>
-          </p:cNvPicPr>
-          <p:nvPr/>
-        </p:nvPicPr>
-        <p:blipFill>
-          <a:blip r:embed="rId3">
-            <a:extLst>
-              <a:ext uri="{28A0092B-C50C-407E-A947-70E740481C1C}">
-                <a14:useLocalDpi xmlns:a14="http://schemas.microsoft.com/office/drawing/2010/main" val="0"/>
-              </a:ext>
-            </a:extLst>
-          </a:blip>
-          <a:srcRect/>
-          <a:stretch>
-            <a:fillRect/>
-          </a:stretch>
-        </p:blipFill>
-        <p:spPr bwMode="auto">
-          <a:xfrm>
-            <a:off x="187145" y="620201"/>
-            <a:ext cx="3190875" cy="2562225"/>
-          </a:xfrm>
-          <a:prstGeom prst="rect">
-            <a:avLst/>
-          </a:prstGeom>
-          <a:noFill/>
-          <a:extLst>
-            <a:ext uri="{909E8E84-426E-40DD-AFC4-6F175D3DCCD1}">
-              <a14:hiddenFill xmlns:a14="http://schemas.microsoft.com/office/drawing/2010/main">
-                <a:solidFill>
-                  <a:srgbClr val="FFFFFF"/>
-                </a:solidFill>
-              </a14:hiddenFill>
-            </a:ext>
-          </a:extLst>
-        </p:spPr>
-      </p:pic>
       <p:cxnSp>
         <p:nvCxnSpPr>
           <p:cNvPr id="4" name="Straight Connector 3">
@@ -4452,7 +4217,7 @@
         </p:nvCxnSpPr>
         <p:spPr>
           <a:xfrm flipV="1">
-            <a:off x="4107224" y="1471654"/>
+            <a:off x="166687" y="4138654"/>
             <a:ext cx="2178658" cy="15902"/>
           </a:xfrm>
           <a:prstGeom prst="line">
@@ -4481,43 +4246,6 @@
           </a:fontRef>
         </p:style>
       </p:cxnSp>
-      <p:sp>
-        <p:nvSpPr>
-          <p:cNvPr id="5" name="TextBox 4">
-            <a:extLst>
-              <a:ext uri="{FF2B5EF4-FFF2-40B4-BE49-F238E27FC236}">
-                <a16:creationId xmlns:a16="http://schemas.microsoft.com/office/drawing/2014/main" id="{0973D23A-D35A-4945-B829-6960522CC558}"/>
-              </a:ext>
-            </a:extLst>
-          </p:cNvPr>
-          <p:cNvSpPr txBox="1"/>
-          <p:nvPr/>
-        </p:nvSpPr>
-        <p:spPr>
-          <a:xfrm>
-            <a:off x="4107224" y="1574937"/>
-            <a:ext cx="5489999" cy="646331"/>
-          </a:xfrm>
-          <a:prstGeom prst="rect">
-            <a:avLst/>
-          </a:prstGeom>
-          <a:noFill/>
-        </p:spPr>
-        <p:txBody>
-          <a:bodyPr wrap="square" rtlCol="0">
-            <a:spAutoFit/>
-          </a:bodyPr>
-          <a:lstStyle/>
-          <a:p>
-            <a:r>
-              <a:rPr lang="en-US" dirty="0">
-                <a:latin typeface="Trebuchet MS" panose="020B0603020202020204" pitchFamily="34" charset="0"/>
-              </a:rPr>
-              <a:t>There is a normal distribution of age throughout the population with a peak at 50 years.</a:t>
-            </a:r>
-          </a:p>
-        </p:txBody>
-      </p:sp>
       <p:cxnSp>
         <p:nvCxnSpPr>
           <p:cNvPr id="6" name="Straight Connector 5">
@@ -4534,7 +4262,7 @@
         </p:nvCxnSpPr>
         <p:spPr>
           <a:xfrm flipV="1">
-            <a:off x="4107224" y="3540318"/>
+            <a:off x="166686" y="5417880"/>
             <a:ext cx="2178658" cy="15902"/>
           </a:xfrm>
           <a:prstGeom prst="line">
@@ -4565,10 +4293,10 @@
       </p:cxnSp>
       <p:sp>
         <p:nvSpPr>
-          <p:cNvPr id="7" name="TextBox 6">
-            <a:extLst>
-              <a:ext uri="{FF2B5EF4-FFF2-40B4-BE49-F238E27FC236}">
-                <a16:creationId xmlns:a16="http://schemas.microsoft.com/office/drawing/2014/main" id="{AD850881-AD71-4CA6-AA8D-7E3A250190D9}"/>
+          <p:cNvPr id="8" name="TextBox 7">
+            <a:extLst>
+              <a:ext uri="{FF2B5EF4-FFF2-40B4-BE49-F238E27FC236}">
+                <a16:creationId xmlns:a16="http://schemas.microsoft.com/office/drawing/2014/main" id="{D5223D84-AAB2-4DD1-A4DC-2EE9986ECE22}"/>
               </a:ext>
             </a:extLst>
           </p:cNvPr>
@@ -4577,8 +4305,8 @@
         </p:nvSpPr>
         <p:spPr>
           <a:xfrm>
-            <a:off x="4107225" y="3643601"/>
-            <a:ext cx="6245373" cy="646331"/>
+            <a:off x="2257425" y="85725"/>
+            <a:ext cx="6718649" cy="369332"/>
           </a:xfrm>
           <a:prstGeom prst="rect">
             <a:avLst/>
@@ -4592,22 +4320,114 @@
           <a:lstStyle/>
           <a:p>
             <a:r>
+              <a:rPr lang="en-US" b="1" dirty="0">
+                <a:latin typeface="Trebuchet MS" panose="020B0603020202020204" pitchFamily="34" charset="0"/>
+              </a:rPr>
+              <a:t>DISTRIBUTION OF STORE WRT AGE &amp;  AVG_GLUCOSE_LEVEL</a:t>
+            </a:r>
+          </a:p>
+        </p:txBody>
+      </p:sp>
+      <p:pic>
+        <p:nvPicPr>
+          <p:cNvPr id="9" name="Picture 8">
+            <a:extLst>
+              <a:ext uri="{FF2B5EF4-FFF2-40B4-BE49-F238E27FC236}">
+                <a16:creationId xmlns:a16="http://schemas.microsoft.com/office/drawing/2014/main" id="{3DBED67E-D451-48FA-9AA3-66AC6C986C67}"/>
+              </a:ext>
+            </a:extLst>
+          </p:cNvPr>
+          <p:cNvPicPr>
+            <a:picLocks noChangeAspect="1"/>
+          </p:cNvPicPr>
+          <p:nvPr/>
+        </p:nvPicPr>
+        <p:blipFill>
+          <a:blip r:embed="rId2"/>
+          <a:stretch>
+            <a:fillRect/>
+          </a:stretch>
+        </p:blipFill>
+        <p:spPr>
+          <a:xfrm>
+            <a:off x="166686" y="771525"/>
+            <a:ext cx="7515225" cy="2657475"/>
+          </a:xfrm>
+          <a:prstGeom prst="rect">
+            <a:avLst/>
+          </a:prstGeom>
+        </p:spPr>
+      </p:pic>
+      <p:sp>
+        <p:nvSpPr>
+          <p:cNvPr id="10" name="TextBox 9">
+            <a:extLst>
+              <a:ext uri="{FF2B5EF4-FFF2-40B4-BE49-F238E27FC236}">
+                <a16:creationId xmlns:a16="http://schemas.microsoft.com/office/drawing/2014/main" id="{0FBC082C-125A-4F27-981B-11C7C76CAC23}"/>
+              </a:ext>
+            </a:extLst>
+          </p:cNvPr>
+          <p:cNvSpPr txBox="1"/>
+          <p:nvPr/>
+        </p:nvSpPr>
+        <p:spPr>
+          <a:xfrm>
+            <a:off x="296620" y="4398436"/>
+            <a:ext cx="4097449" cy="338554"/>
+          </a:xfrm>
+          <a:prstGeom prst="rect">
+            <a:avLst/>
+          </a:prstGeom>
+          <a:noFill/>
+        </p:spPr>
+        <p:txBody>
+          <a:bodyPr wrap="square" rtlCol="0">
+            <a:spAutoFit/>
+          </a:bodyPr>
+          <a:lstStyle/>
+          <a:p>
+            <a:r>
+              <a:rPr lang="en-US" sz="1600" dirty="0">
+                <a:latin typeface="Trebuchet MS" panose="020B0603020202020204" pitchFamily="34" charset="0"/>
+              </a:rPr>
+              <a:t>Stroke is much significant as age increases</a:t>
+            </a:r>
+          </a:p>
+        </p:txBody>
+      </p:sp>
+      <p:sp>
+        <p:nvSpPr>
+          <p:cNvPr id="11" name="TextBox 10">
+            <a:extLst>
+              <a:ext uri="{FF2B5EF4-FFF2-40B4-BE49-F238E27FC236}">
+                <a16:creationId xmlns:a16="http://schemas.microsoft.com/office/drawing/2014/main" id="{79DCC0ED-C575-4E8C-9042-407176F805E3}"/>
+              </a:ext>
+            </a:extLst>
+          </p:cNvPr>
+          <p:cNvSpPr txBox="1"/>
+          <p:nvPr/>
+        </p:nvSpPr>
+        <p:spPr>
+          <a:xfrm>
+            <a:off x="296620" y="5763309"/>
+            <a:ext cx="4097449" cy="646331"/>
+          </a:xfrm>
+          <a:prstGeom prst="rect">
+            <a:avLst/>
+          </a:prstGeom>
+          <a:noFill/>
+        </p:spPr>
+        <p:txBody>
+          <a:bodyPr wrap="square" rtlCol="0">
+            <a:spAutoFit/>
+          </a:bodyPr>
+          <a:lstStyle/>
+          <a:p>
+            <a:r>
               <a:rPr lang="en-US" dirty="0">
                 <a:latin typeface="Trebuchet MS" panose="020B0603020202020204" pitchFamily="34" charset="0"/>
               </a:rPr>
-              <a:t>Residence type has no significance in attack by stroke. </a:t>
-            </a:r>
-            <a:r>
-              <a:rPr lang="en-US" dirty="0" err="1">
-                <a:latin typeface="Trebuchet MS" panose="020B0603020202020204" pitchFamily="34" charset="0"/>
-              </a:rPr>
-              <a:t>i.e</a:t>
-            </a:r>
-            <a:r>
-              <a:rPr lang="en-US" dirty="0">
-                <a:latin typeface="Trebuchet MS" panose="020B0603020202020204" pitchFamily="34" charset="0"/>
-              </a:rPr>
-              <a:t> stroke has the same rate of attack in either</a:t>
+              <a:t>Stroke is much significant as average glucose level increases</a:t>
             </a:r>
           </a:p>
         </p:txBody>
@@ -4664,7 +4484,7 @@
         </p:blipFill>
         <p:spPr>
           <a:xfrm>
-            <a:off x="509587" y="3538537"/>
+            <a:off x="395287" y="771525"/>
             <a:ext cx="7515225" cy="2657475"/>
           </a:xfrm>
           <a:prstGeom prst="rect">
@@ -4672,42 +4492,12 @@
           </a:prstGeom>
         </p:spPr>
       </p:pic>
-      <p:pic>
-        <p:nvPicPr>
-          <p:cNvPr id="3" name="Picture 2">
-            <a:extLst>
-              <a:ext uri="{FF2B5EF4-FFF2-40B4-BE49-F238E27FC236}">
-                <a16:creationId xmlns:a16="http://schemas.microsoft.com/office/drawing/2014/main" id="{59B2BB2A-1318-4A4E-B931-357C2D7E74FD}"/>
-              </a:ext>
-            </a:extLst>
-          </p:cNvPr>
-          <p:cNvPicPr>
-            <a:picLocks noChangeAspect="1"/>
-          </p:cNvPicPr>
-          <p:nvPr/>
-        </p:nvPicPr>
-        <p:blipFill>
-          <a:blip r:embed="rId3"/>
-          <a:stretch>
-            <a:fillRect/>
-          </a:stretch>
-        </p:blipFill>
-        <p:spPr>
-          <a:xfrm>
-            <a:off x="338137" y="461962"/>
-            <a:ext cx="7515225" cy="2657475"/>
-          </a:xfrm>
-          <a:prstGeom prst="rect">
-            <a:avLst/>
-          </a:prstGeom>
-        </p:spPr>
-      </p:pic>
       <p:cxnSp>
         <p:nvCxnSpPr>
-          <p:cNvPr id="5" name="Straight Connector 4">
-            <a:extLst>
-              <a:ext uri="{FF2B5EF4-FFF2-40B4-BE49-F238E27FC236}">
-                <a16:creationId xmlns:a16="http://schemas.microsoft.com/office/drawing/2014/main" id="{6692E6D1-F31B-4953-83F3-1D9145E1699F}"/>
+          <p:cNvPr id="6" name="Straight Connector 5">
+            <a:extLst>
+              <a:ext uri="{FF2B5EF4-FFF2-40B4-BE49-F238E27FC236}">
+                <a16:creationId xmlns:a16="http://schemas.microsoft.com/office/drawing/2014/main" id="{82637A33-987A-4204-A8D5-D6A40FA788CB}"/>
               </a:ext>
             </a:extLst>
           </p:cNvPr>
@@ -4718,7 +4508,7 @@
         </p:nvCxnSpPr>
         <p:spPr>
           <a:xfrm flipV="1">
-            <a:off x="8110702" y="895683"/>
+            <a:off x="586118" y="3776285"/>
             <a:ext cx="2178658" cy="15902"/>
           </a:xfrm>
           <a:prstGeom prst="line">
@@ -4747,12 +4537,182 @@
           </a:fontRef>
         </p:style>
       </p:cxnSp>
+      <p:sp>
+        <p:nvSpPr>
+          <p:cNvPr id="8" name="TextBox 7">
+            <a:extLst>
+              <a:ext uri="{FF2B5EF4-FFF2-40B4-BE49-F238E27FC236}">
+                <a16:creationId xmlns:a16="http://schemas.microsoft.com/office/drawing/2014/main" id="{53E904E4-DD3A-4397-A499-FFE72C0E983B}"/>
+              </a:ext>
+            </a:extLst>
+          </p:cNvPr>
+          <p:cNvSpPr txBox="1"/>
+          <p:nvPr/>
+        </p:nvSpPr>
+        <p:spPr>
+          <a:xfrm>
+            <a:off x="465442" y="4135128"/>
+            <a:ext cx="4009984" cy="923330"/>
+          </a:xfrm>
+          <a:prstGeom prst="rect">
+            <a:avLst/>
+          </a:prstGeom>
+          <a:noFill/>
+        </p:spPr>
+        <p:txBody>
+          <a:bodyPr wrap="square" rtlCol="0">
+            <a:spAutoFit/>
+          </a:bodyPr>
+          <a:lstStyle/>
+          <a:p>
+            <a:r>
+              <a:rPr lang="en-US" dirty="0">
+                <a:latin typeface="Trebuchet MS" panose="020B0603020202020204" pitchFamily="34" charset="0"/>
+              </a:rPr>
+              <a:t>There is right skewness in both </a:t>
+            </a:r>
+            <a:r>
+              <a:rPr lang="en-US" dirty="0" err="1">
+                <a:latin typeface="Trebuchet MS" panose="020B0603020202020204" pitchFamily="34" charset="0"/>
+              </a:rPr>
+              <a:t>bmi</a:t>
+            </a:r>
+            <a:r>
+              <a:rPr lang="en-US" dirty="0">
+                <a:latin typeface="Trebuchet MS" panose="020B0603020202020204" pitchFamily="34" charset="0"/>
+              </a:rPr>
+              <a:t> and average glucose level this increases outlier presence.</a:t>
+            </a:r>
+          </a:p>
+        </p:txBody>
+      </p:sp>
+      <p:sp>
+        <p:nvSpPr>
+          <p:cNvPr id="11" name="TextBox 10">
+            <a:extLst>
+              <a:ext uri="{FF2B5EF4-FFF2-40B4-BE49-F238E27FC236}">
+                <a16:creationId xmlns:a16="http://schemas.microsoft.com/office/drawing/2014/main" id="{7480B465-5B15-4B96-85D4-7139F11F0220}"/>
+              </a:ext>
+            </a:extLst>
+          </p:cNvPr>
+          <p:cNvSpPr txBox="1"/>
+          <p:nvPr/>
+        </p:nvSpPr>
+        <p:spPr>
+          <a:xfrm>
+            <a:off x="2257425" y="85725"/>
+            <a:ext cx="7086600" cy="369332"/>
+          </a:xfrm>
+          <a:prstGeom prst="rect">
+            <a:avLst/>
+          </a:prstGeom>
+          <a:noFill/>
+        </p:spPr>
+        <p:txBody>
+          <a:bodyPr wrap="square" rtlCol="0">
+            <a:spAutoFit/>
+          </a:bodyPr>
+          <a:lstStyle/>
+          <a:p>
+            <a:r>
+              <a:rPr lang="en-US" b="1" dirty="0">
+                <a:latin typeface="Trebuchet MS" panose="020B0603020202020204" pitchFamily="34" charset="0"/>
+              </a:rPr>
+              <a:t>DISTRIBUTION OF STORE ON AGE , BMI &amp;  AVG_GLUCOSE_LEVEL</a:t>
+            </a:r>
+          </a:p>
+        </p:txBody>
+      </p:sp>
+      <p:pic>
+        <p:nvPicPr>
+          <p:cNvPr id="12" name="Picture 2">
+            <a:extLst>
+              <a:ext uri="{FF2B5EF4-FFF2-40B4-BE49-F238E27FC236}">
+                <a16:creationId xmlns:a16="http://schemas.microsoft.com/office/drawing/2014/main" id="{5FCA5587-9CB7-44CA-8507-1B15F880FC6B}"/>
+              </a:ext>
+            </a:extLst>
+          </p:cNvPr>
+          <p:cNvPicPr>
+            <a:picLocks noChangeAspect="1" noChangeArrowheads="1"/>
+          </p:cNvPicPr>
+          <p:nvPr/>
+        </p:nvPicPr>
+        <p:blipFill>
+          <a:blip r:embed="rId3">
+            <a:extLst>
+              <a:ext uri="{28A0092B-C50C-407E-A947-70E740481C1C}">
+                <a14:useLocalDpi xmlns:a14="http://schemas.microsoft.com/office/drawing/2010/main" val="0"/>
+              </a:ext>
+            </a:extLst>
+          </a:blip>
+          <a:srcRect/>
+          <a:stretch>
+            <a:fillRect/>
+          </a:stretch>
+        </p:blipFill>
+        <p:spPr bwMode="auto">
+          <a:xfrm>
+            <a:off x="8017603" y="704774"/>
+            <a:ext cx="3190875" cy="2562225"/>
+          </a:xfrm>
+          <a:prstGeom prst="rect">
+            <a:avLst/>
+          </a:prstGeom>
+          <a:noFill/>
+          <a:extLst>
+            <a:ext uri="{909E8E84-426E-40DD-AFC4-6F175D3DCCD1}">
+              <a14:hiddenFill xmlns:a14="http://schemas.microsoft.com/office/drawing/2010/main">
+                <a:solidFill>
+                  <a:srgbClr val="FFFFFF"/>
+                </a:solidFill>
+              </a14:hiddenFill>
+            </a:ext>
+          </a:extLst>
+        </p:spPr>
+      </p:pic>
+      <p:sp>
+        <p:nvSpPr>
+          <p:cNvPr id="13" name="TextBox 12">
+            <a:extLst>
+              <a:ext uri="{FF2B5EF4-FFF2-40B4-BE49-F238E27FC236}">
+                <a16:creationId xmlns:a16="http://schemas.microsoft.com/office/drawing/2014/main" id="{4FF9E9C0-9BCE-45B0-8AAF-D6F2783EF61D}"/>
+              </a:ext>
+            </a:extLst>
+          </p:cNvPr>
+          <p:cNvSpPr txBox="1"/>
+          <p:nvPr/>
+        </p:nvSpPr>
+        <p:spPr>
+          <a:xfrm>
+            <a:off x="465442" y="5763309"/>
+            <a:ext cx="5489999" cy="646331"/>
+          </a:xfrm>
+          <a:prstGeom prst="rect">
+            <a:avLst/>
+          </a:prstGeom>
+          <a:noFill/>
+        </p:spPr>
+        <p:txBody>
+          <a:bodyPr wrap="square" rtlCol="0">
+            <a:spAutoFit/>
+          </a:bodyPr>
+          <a:lstStyle/>
+          <a:p>
+            <a:r>
+              <a:rPr lang="en-US" dirty="0">
+                <a:latin typeface="Trebuchet MS" panose="020B0603020202020204" pitchFamily="34" charset="0"/>
+              </a:rPr>
+              <a:t>There is a normal distribution of age throughout the population with a peak at 50 years.</a:t>
+            </a:r>
+          </a:p>
+        </p:txBody>
+      </p:sp>
       <p:cxnSp>
         <p:nvCxnSpPr>
-          <p:cNvPr id="6" name="Straight Connector 5">
-            <a:extLst>
-              <a:ext uri="{FF2B5EF4-FFF2-40B4-BE49-F238E27FC236}">
-                <a16:creationId xmlns:a16="http://schemas.microsoft.com/office/drawing/2014/main" id="{82637A33-987A-4204-A8D5-D6A40FA788CB}"/>
+          <p:cNvPr id="14" name="Straight Connector 13">
+            <a:extLst>
+              <a:ext uri="{FF2B5EF4-FFF2-40B4-BE49-F238E27FC236}">
+                <a16:creationId xmlns:a16="http://schemas.microsoft.com/office/drawing/2014/main" id="{D65EE309-B893-4CC7-91F5-3DC626D276C7}"/>
               </a:ext>
             </a:extLst>
           </p:cNvPr>
@@ -4763,175 +4723,7 @@
         </p:nvCxnSpPr>
         <p:spPr>
           <a:xfrm flipV="1">
-            <a:off x="8196593" y="4086969"/>
-            <a:ext cx="2178658" cy="15902"/>
-          </a:xfrm>
-          <a:prstGeom prst="line">
-            <a:avLst/>
-          </a:prstGeom>
-          <a:ln>
-            <a:solidFill>
-              <a:schemeClr val="accent6">
-                <a:lumMod val="50000"/>
-              </a:schemeClr>
-            </a:solidFill>
-          </a:ln>
-        </p:spPr>
-        <p:style>
-          <a:lnRef idx="1">
-            <a:schemeClr val="accent1"/>
-          </a:lnRef>
-          <a:fillRef idx="0">
-            <a:schemeClr val="accent1"/>
-          </a:fillRef>
-          <a:effectRef idx="0">
-            <a:schemeClr val="accent1"/>
-          </a:effectRef>
-          <a:fontRef idx="minor">
-            <a:schemeClr val="tx1"/>
-          </a:fontRef>
-        </p:style>
-      </p:cxnSp>
-      <p:sp>
-        <p:nvSpPr>
-          <p:cNvPr id="7" name="TextBox 6">
-            <a:extLst>
-              <a:ext uri="{FF2B5EF4-FFF2-40B4-BE49-F238E27FC236}">
-                <a16:creationId xmlns:a16="http://schemas.microsoft.com/office/drawing/2014/main" id="{6FB8A751-BF4F-4745-B322-37D5C988F7DE}"/>
-              </a:ext>
-            </a:extLst>
-          </p:cNvPr>
-          <p:cNvSpPr txBox="1"/>
-          <p:nvPr/>
-        </p:nvSpPr>
-        <p:spPr>
-          <a:xfrm>
-            <a:off x="7981079" y="1926770"/>
-            <a:ext cx="4097449" cy="646331"/>
-          </a:xfrm>
-          <a:prstGeom prst="rect">
-            <a:avLst/>
-          </a:prstGeom>
-          <a:noFill/>
-        </p:spPr>
-        <p:txBody>
-          <a:bodyPr wrap="square" rtlCol="0">
-            <a:spAutoFit/>
-          </a:bodyPr>
-          <a:lstStyle/>
-          <a:p>
-            <a:r>
-              <a:rPr lang="en-US" dirty="0">
-                <a:latin typeface="Trebuchet MS" panose="020B0603020202020204" pitchFamily="34" charset="0"/>
-              </a:rPr>
-              <a:t>Stroke is much significant as average glucose level increases</a:t>
-            </a:r>
-          </a:p>
-        </p:txBody>
-      </p:sp>
-      <p:sp>
-        <p:nvSpPr>
-          <p:cNvPr id="8" name="TextBox 7">
-            <a:extLst>
-              <a:ext uri="{FF2B5EF4-FFF2-40B4-BE49-F238E27FC236}">
-                <a16:creationId xmlns:a16="http://schemas.microsoft.com/office/drawing/2014/main" id="{53E904E4-DD3A-4397-A499-FFE72C0E983B}"/>
-              </a:ext>
-            </a:extLst>
-          </p:cNvPr>
-          <p:cNvSpPr txBox="1"/>
-          <p:nvPr/>
-        </p:nvSpPr>
-        <p:spPr>
-          <a:xfrm>
-            <a:off x="8024812" y="4230800"/>
-            <a:ext cx="4009984" cy="923330"/>
-          </a:xfrm>
-          <a:prstGeom prst="rect">
-            <a:avLst/>
-          </a:prstGeom>
-          <a:noFill/>
-        </p:spPr>
-        <p:txBody>
-          <a:bodyPr wrap="square" rtlCol="0">
-            <a:spAutoFit/>
-          </a:bodyPr>
-          <a:lstStyle/>
-          <a:p>
-            <a:r>
-              <a:rPr lang="en-US" dirty="0">
-                <a:latin typeface="Trebuchet MS" panose="020B0603020202020204" pitchFamily="34" charset="0"/>
-              </a:rPr>
-              <a:t>There is right skewness in both </a:t>
-            </a:r>
-            <a:r>
-              <a:rPr lang="en-US" dirty="0" err="1">
-                <a:latin typeface="Trebuchet MS" panose="020B0603020202020204" pitchFamily="34" charset="0"/>
-              </a:rPr>
-              <a:t>bmi</a:t>
-            </a:r>
-            <a:r>
-              <a:rPr lang="en-US" dirty="0">
-                <a:latin typeface="Trebuchet MS" panose="020B0603020202020204" pitchFamily="34" charset="0"/>
-              </a:rPr>
-              <a:t> and average glucose level this increases outlier presence.</a:t>
-            </a:r>
-          </a:p>
-        </p:txBody>
-      </p:sp>
-      <p:sp>
-        <p:nvSpPr>
-          <p:cNvPr id="9" name="TextBox 8">
-            <a:extLst>
-              <a:ext uri="{FF2B5EF4-FFF2-40B4-BE49-F238E27FC236}">
-                <a16:creationId xmlns:a16="http://schemas.microsoft.com/office/drawing/2014/main" id="{2ABF8504-10FE-4B19-8D35-7DF4DEC79F82}"/>
-              </a:ext>
-            </a:extLst>
-          </p:cNvPr>
-          <p:cNvSpPr txBox="1"/>
-          <p:nvPr/>
-        </p:nvSpPr>
-        <p:spPr>
-          <a:xfrm>
-            <a:off x="7937347" y="1050454"/>
-            <a:ext cx="4097449" cy="338554"/>
-          </a:xfrm>
-          <a:prstGeom prst="rect">
-            <a:avLst/>
-          </a:prstGeom>
-          <a:noFill/>
-        </p:spPr>
-        <p:txBody>
-          <a:bodyPr wrap="square" rtlCol="0">
-            <a:spAutoFit/>
-          </a:bodyPr>
-          <a:lstStyle/>
-          <a:p>
-            <a:r>
-              <a:rPr lang="en-US" sz="1600" dirty="0">
-                <a:latin typeface="Trebuchet MS" panose="020B0603020202020204" pitchFamily="34" charset="0"/>
-              </a:rPr>
-              <a:t>Stroke is much significant as age increases</a:t>
-            </a:r>
-          </a:p>
-        </p:txBody>
-      </p:sp>
-      <p:cxnSp>
-        <p:nvCxnSpPr>
-          <p:cNvPr id="10" name="Straight Connector 9">
-            <a:extLst>
-              <a:ext uri="{FF2B5EF4-FFF2-40B4-BE49-F238E27FC236}">
-                <a16:creationId xmlns:a16="http://schemas.microsoft.com/office/drawing/2014/main" id="{169AD9FA-83CA-4E21-9401-A0FB6AC24271}"/>
-              </a:ext>
-            </a:extLst>
-          </p:cNvPr>
-          <p:cNvCxnSpPr>
-            <a:cxnSpLocks/>
-          </p:cNvCxnSpPr>
-          <p:nvPr/>
-        </p:nvCxnSpPr>
-        <p:spPr>
-          <a:xfrm flipV="1">
-            <a:off x="8110702" y="1732483"/>
+            <a:off x="465442" y="5401399"/>
             <a:ext cx="2178658" cy="15902"/>
           </a:xfrm>
           <a:prstGeom prst="line">
@@ -5012,8 +4804,8 @@
         </p:blipFill>
         <p:spPr>
           <a:xfrm>
-            <a:off x="552450" y="447675"/>
-            <a:ext cx="5619750" cy="5619750"/>
+            <a:off x="476250" y="838200"/>
+            <a:ext cx="5619750" cy="5721296"/>
           </a:xfrm>
           <a:prstGeom prst="rect">
             <a:avLst/>
@@ -5036,7 +4828,7 @@
         </p:nvCxnSpPr>
         <p:spPr>
           <a:xfrm flipV="1">
-            <a:off x="6580080" y="731519"/>
+            <a:off x="6659594" y="1166719"/>
             <a:ext cx="2178658" cy="15902"/>
           </a:xfrm>
           <a:prstGeom prst="line">
@@ -5081,7 +4873,7 @@
         </p:nvCxnSpPr>
         <p:spPr>
           <a:xfrm flipV="1">
-            <a:off x="6659594" y="2647784"/>
+            <a:off x="6659594" y="2600159"/>
             <a:ext cx="2178658" cy="15902"/>
           </a:xfrm>
           <a:prstGeom prst="line">
@@ -5124,7 +4916,7 @@
         </p:nvSpPr>
         <p:spPr>
           <a:xfrm>
-            <a:off x="6421055" y="938833"/>
+            <a:off x="6421055" y="1450264"/>
             <a:ext cx="5489999" cy="646331"/>
           </a:xfrm>
           <a:prstGeom prst="rect">
@@ -5161,7 +4953,7 @@
         </p:nvSpPr>
         <p:spPr>
           <a:xfrm>
-            <a:off x="6421055" y="2799438"/>
+            <a:off x="6421055" y="2856588"/>
             <a:ext cx="5489999" cy="923330"/>
           </a:xfrm>
           <a:prstGeom prst="rect">
@@ -5180,6 +4972,43 @@
                 <a:latin typeface="Trebuchet MS" panose="020B0603020202020204" pitchFamily="34" charset="0"/>
               </a:rPr>
               <a:t>Stroke is much significant among those who never smoked, formerly smoked, smokes and those whose smoking status is unknown.</a:t>
+            </a:r>
+          </a:p>
+        </p:txBody>
+      </p:sp>
+      <p:sp>
+        <p:nvSpPr>
+          <p:cNvPr id="3" name="TextBox 2">
+            <a:extLst>
+              <a:ext uri="{FF2B5EF4-FFF2-40B4-BE49-F238E27FC236}">
+                <a16:creationId xmlns:a16="http://schemas.microsoft.com/office/drawing/2014/main" id="{9E107228-2876-4A19-AB20-1D517CCD61BB}"/>
+              </a:ext>
+            </a:extLst>
+          </p:cNvPr>
+          <p:cNvSpPr txBox="1"/>
+          <p:nvPr/>
+        </p:nvSpPr>
+        <p:spPr>
+          <a:xfrm>
+            <a:off x="1895475" y="282562"/>
+            <a:ext cx="9324975" cy="400110"/>
+          </a:xfrm>
+          <a:prstGeom prst="rect">
+            <a:avLst/>
+          </a:prstGeom>
+          <a:noFill/>
+        </p:spPr>
+        <p:txBody>
+          <a:bodyPr wrap="square" rtlCol="0">
+            <a:spAutoFit/>
+          </a:bodyPr>
+          <a:lstStyle/>
+          <a:p>
+            <a:r>
+              <a:rPr lang="en-US" sz="2000" b="1" dirty="0">
+                <a:latin typeface="Trebuchet MS" panose="020B0603020202020204" pitchFamily="34" charset="0"/>
+              </a:rPr>
+              <a:t>DISTRIBUTION OF STROKE WRT WORK_TYPE &amp; SMOKING STATUS</a:t>
             </a:r>
           </a:p>
         </p:txBody>
@@ -5236,7 +5065,7 @@
         </p:blipFill>
         <p:spPr>
           <a:xfrm>
-            <a:off x="796797" y="463510"/>
+            <a:off x="725403" y="1396960"/>
             <a:ext cx="7019335" cy="3746540"/>
           </a:xfrm>
           <a:prstGeom prst="rect">
@@ -5260,7 +5089,7 @@
         </p:nvCxnSpPr>
         <p:spPr>
           <a:xfrm flipV="1">
-            <a:off x="8066973" y="946205"/>
+            <a:off x="8171748" y="1803455"/>
             <a:ext cx="2178658" cy="15902"/>
           </a:xfrm>
           <a:prstGeom prst="line">
@@ -5303,7 +5132,7 @@
         </p:nvSpPr>
         <p:spPr>
           <a:xfrm>
-            <a:off x="7956930" y="1192695"/>
+            <a:off x="8066973" y="1951672"/>
             <a:ext cx="3814075" cy="1477328"/>
           </a:xfrm>
           <a:prstGeom prst="rect">
@@ -5335,6 +5164,125 @@
           </a:p>
         </p:txBody>
       </p:sp>
+      <p:sp>
+        <p:nvSpPr>
+          <p:cNvPr id="3" name="TextBox 2">
+            <a:extLst>
+              <a:ext uri="{FF2B5EF4-FFF2-40B4-BE49-F238E27FC236}">
+                <a16:creationId xmlns:a16="http://schemas.microsoft.com/office/drawing/2014/main" id="{FE4FF4E5-1D30-4CB2-8401-D5BBC6EAF20A}"/>
+              </a:ext>
+            </a:extLst>
+          </p:cNvPr>
+          <p:cNvSpPr txBox="1"/>
+          <p:nvPr/>
+        </p:nvSpPr>
+        <p:spPr>
+          <a:xfrm>
+            <a:off x="1200150" y="247650"/>
+            <a:ext cx="8629650" cy="400110"/>
+          </a:xfrm>
+          <a:prstGeom prst="rect">
+            <a:avLst/>
+          </a:prstGeom>
+          <a:noFill/>
+        </p:spPr>
+        <p:txBody>
+          <a:bodyPr wrap="square" rtlCol="0">
+            <a:spAutoFit/>
+          </a:bodyPr>
+          <a:lstStyle/>
+          <a:p>
+            <a:r>
+              <a:rPr lang="en-US" sz="2000" b="1" dirty="0">
+                <a:latin typeface="Trebuchet MS" panose="020B0603020202020204" pitchFamily="34" charset="0"/>
+              </a:rPr>
+              <a:t>CORRELATION BETWEEN STROKE, HYPERTENSION &amp; HEART DISEASE</a:t>
+            </a:r>
+          </a:p>
+        </p:txBody>
+      </p:sp>
+      <p:sp>
+        <p:nvSpPr>
+          <p:cNvPr id="6" name="TextBox 5">
+            <a:extLst>
+              <a:ext uri="{FF2B5EF4-FFF2-40B4-BE49-F238E27FC236}">
+                <a16:creationId xmlns:a16="http://schemas.microsoft.com/office/drawing/2014/main" id="{8120D56D-DF04-4205-ACA0-EBF338353B21}"/>
+              </a:ext>
+            </a:extLst>
+          </p:cNvPr>
+          <p:cNvSpPr txBox="1"/>
+          <p:nvPr/>
+        </p:nvSpPr>
+        <p:spPr>
+          <a:xfrm>
+            <a:off x="8171749" y="4086581"/>
+            <a:ext cx="3639252" cy="923330"/>
+          </a:xfrm>
+          <a:prstGeom prst="rect">
+            <a:avLst/>
+          </a:prstGeom>
+          <a:noFill/>
+        </p:spPr>
+        <p:txBody>
+          <a:bodyPr wrap="square" rtlCol="0">
+            <a:spAutoFit/>
+          </a:bodyPr>
+          <a:lstStyle/>
+          <a:p>
+            <a:r>
+              <a:rPr lang="en-US" dirty="0">
+                <a:latin typeface="Trebuchet MS" panose="020B0603020202020204" pitchFamily="34" charset="0"/>
+              </a:rPr>
+              <a:t>Stroke is much significant among those with heart disease and hypertension</a:t>
+            </a:r>
+          </a:p>
+        </p:txBody>
+      </p:sp>
+      <p:cxnSp>
+        <p:nvCxnSpPr>
+          <p:cNvPr id="7" name="Straight Connector 6">
+            <a:extLst>
+              <a:ext uri="{FF2B5EF4-FFF2-40B4-BE49-F238E27FC236}">
+                <a16:creationId xmlns:a16="http://schemas.microsoft.com/office/drawing/2014/main" id="{8AC448E1-1AC9-444E-9669-1EC915BBB3E1}"/>
+              </a:ext>
+            </a:extLst>
+          </p:cNvPr>
+          <p:cNvCxnSpPr>
+            <a:cxnSpLocks/>
+          </p:cNvCxnSpPr>
+          <p:nvPr/>
+        </p:nvCxnSpPr>
+        <p:spPr>
+          <a:xfrm flipV="1">
+            <a:off x="8171748" y="3884294"/>
+            <a:ext cx="2178658" cy="15902"/>
+          </a:xfrm>
+          <a:prstGeom prst="line">
+            <a:avLst/>
+          </a:prstGeom>
+          <a:ln>
+            <a:solidFill>
+              <a:schemeClr val="accent6">
+                <a:lumMod val="50000"/>
+              </a:schemeClr>
+            </a:solidFill>
+          </a:ln>
+        </p:spPr>
+        <p:style>
+          <a:lnRef idx="1">
+            <a:schemeClr val="accent1"/>
+          </a:lnRef>
+          <a:fillRef idx="0">
+            <a:schemeClr val="accent1"/>
+          </a:fillRef>
+          <a:effectRef idx="0">
+            <a:schemeClr val="accent1"/>
+          </a:effectRef>
+          <a:fontRef idx="minor">
+            <a:schemeClr val="tx1"/>
+          </a:fontRef>
+        </p:style>
+      </p:cxnSp>
     </p:spTree>
     <p:extLst>
       <p:ext uri="{BB962C8B-B14F-4D97-AF65-F5344CB8AC3E}">
@@ -5365,114 +5313,235 @@
           <a:chExt cx="0" cy="0"/>
         </a:xfrm>
       </p:grpSpPr>
-      <p:pic>
-        <p:nvPicPr>
-          <p:cNvPr id="2" name="Picture 1">
-            <a:extLst>
-              <a:ext uri="{FF2B5EF4-FFF2-40B4-BE49-F238E27FC236}">
-                <a16:creationId xmlns:a16="http://schemas.microsoft.com/office/drawing/2014/main" id="{236FAAD2-23B3-4F6D-B8E7-509702402C75}"/>
-              </a:ext>
-            </a:extLst>
-          </p:cNvPr>
-          <p:cNvPicPr>
-            <a:picLocks noChangeAspect="1"/>
-          </p:cNvPicPr>
+      <p:sp>
+        <p:nvSpPr>
+          <p:cNvPr id="2" name="Title 1">
+            <a:extLst>
+              <a:ext uri="{FF2B5EF4-FFF2-40B4-BE49-F238E27FC236}">
+                <a16:creationId xmlns:a16="http://schemas.microsoft.com/office/drawing/2014/main" id="{686FCB77-14F2-4A1B-9D09-B6D4837CFA14}"/>
+              </a:ext>
+            </a:extLst>
+          </p:cNvPr>
+          <p:cNvSpPr>
+            <a:spLocks noGrp="1"/>
+          </p:cNvSpPr>
+          <p:nvPr>
+            <p:ph type="ctrTitle"/>
+          </p:nvPr>
+        </p:nvSpPr>
+        <p:spPr>
+          <a:xfrm>
+            <a:off x="553940" y="262393"/>
+            <a:ext cx="10193571" cy="588398"/>
+          </a:xfrm>
+        </p:spPr>
+        <p:txBody>
+          <a:bodyPr>
+            <a:normAutofit fontScale="90000"/>
+          </a:bodyPr>
+          <a:lstStyle/>
+          <a:p>
+            <a:r>
+              <a:rPr lang="en-US" sz="4400" dirty="0">
+                <a:latin typeface="Trebuchet MS" panose="020B0603020202020204" pitchFamily="34" charset="0"/>
+              </a:rPr>
+              <a:t>FINDINGS</a:t>
+            </a:r>
+          </a:p>
+        </p:txBody>
+      </p:sp>
+      <p:sp>
+        <p:nvSpPr>
+          <p:cNvPr id="4" name="Rectangle 3">
+            <a:extLst>
+              <a:ext uri="{FF2B5EF4-FFF2-40B4-BE49-F238E27FC236}">
+                <a16:creationId xmlns:a16="http://schemas.microsoft.com/office/drawing/2014/main" id="{01D63495-75F6-40BF-A7DB-59FCCC1CA258}"/>
+              </a:ext>
+            </a:extLst>
+          </p:cNvPr>
+          <p:cNvSpPr/>
           <p:nvPr/>
-        </p:nvPicPr>
-        <p:blipFill>
-          <a:blip r:embed="rId2"/>
-          <a:stretch>
-            <a:fillRect/>
-          </a:stretch>
-        </p:blipFill>
+        </p:nvSpPr>
         <p:spPr>
           <a:xfrm>
-            <a:off x="289209" y="72858"/>
-            <a:ext cx="5729927" cy="3521130"/>
+            <a:off x="553939" y="914399"/>
+            <a:ext cx="10193572" cy="5370060"/>
           </a:xfrm>
           <a:prstGeom prst="rect">
             <a:avLst/>
           </a:prstGeom>
         </p:spPr>
-      </p:pic>
-      <p:cxnSp>
-        <p:nvCxnSpPr>
-          <p:cNvPr id="4" name="Straight Connector 3">
-            <a:extLst>
-              <a:ext uri="{FF2B5EF4-FFF2-40B4-BE49-F238E27FC236}">
-                <a16:creationId xmlns:a16="http://schemas.microsoft.com/office/drawing/2014/main" id="{8DF4E3D8-1E49-49CC-BC69-10EB7870A206}"/>
-              </a:ext>
-            </a:extLst>
-          </p:cNvPr>
-          <p:cNvCxnSpPr>
-            <a:cxnSpLocks/>
-          </p:cNvCxnSpPr>
-          <p:nvPr/>
-        </p:nvCxnSpPr>
-        <p:spPr>
-          <a:xfrm flipV="1">
-            <a:off x="6580080" y="731519"/>
-            <a:ext cx="2178658" cy="15902"/>
-          </a:xfrm>
-          <a:prstGeom prst="line">
-            <a:avLst/>
-          </a:prstGeom>
-          <a:ln>
-            <a:solidFill>
-              <a:schemeClr val="accent6">
-                <a:lumMod val="50000"/>
-              </a:schemeClr>
-            </a:solidFill>
-          </a:ln>
-        </p:spPr>
-        <p:style>
-          <a:lnRef idx="1">
-            <a:schemeClr val="accent1"/>
-          </a:lnRef>
-          <a:fillRef idx="0">
-            <a:schemeClr val="accent1"/>
-          </a:fillRef>
-          <a:effectRef idx="0">
-            <a:schemeClr val="accent1"/>
-          </a:effectRef>
-          <a:fontRef idx="minor">
-            <a:schemeClr val="tx1"/>
-          </a:fontRef>
-        </p:style>
-      </p:cxnSp>
-      <p:sp>
-        <p:nvSpPr>
-          <p:cNvPr id="6" name="TextBox 5">
-            <a:extLst>
-              <a:ext uri="{FF2B5EF4-FFF2-40B4-BE49-F238E27FC236}">
-                <a16:creationId xmlns:a16="http://schemas.microsoft.com/office/drawing/2014/main" id="{21B41592-F054-45A0-87B0-77C748804842}"/>
-              </a:ext>
-            </a:extLst>
-          </p:cNvPr>
-          <p:cNvSpPr txBox="1"/>
-          <p:nvPr/>
-        </p:nvSpPr>
-        <p:spPr>
-          <a:xfrm>
-            <a:off x="6421055" y="938833"/>
-            <a:ext cx="5489999" cy="646331"/>
-          </a:xfrm>
-          <a:prstGeom prst="rect">
-            <a:avLst/>
-          </a:prstGeom>
-          <a:noFill/>
-        </p:spPr>
-        <p:txBody>
-          <a:bodyPr wrap="square" rtlCol="0">
+        <p:txBody>
+          <a:bodyPr wrap="square">
             <a:spAutoFit/>
           </a:bodyPr>
           <a:lstStyle/>
           <a:p>
-            <a:r>
-              <a:rPr lang="en-US" dirty="0">
-                <a:latin typeface="Trebuchet MS" panose="020B0603020202020204" pitchFamily="34" charset="0"/>
-              </a:rPr>
-              <a:t>Stroke is much significant among those with heart disease and hypertension</a:t>
+            <a:pPr algn="just">
+              <a:lnSpc>
+                <a:spcPct val="150000"/>
+              </a:lnSpc>
+            </a:pPr>
+            <a:r>
+              <a:rPr lang="en-US" sz="1400" b="1" dirty="0">
+                <a:latin typeface="Trebuchet MS" panose="020B0603020202020204" pitchFamily="34" charset="0"/>
+              </a:rPr>
+              <a:t>Demographic and other risk factors .</a:t>
+            </a:r>
+          </a:p>
+          <a:p>
+            <a:pPr marL="342900" indent="-342900" algn="just">
+              <a:lnSpc>
+                <a:spcPct val="150000"/>
+              </a:lnSpc>
+              <a:buFont typeface="+mj-lt"/>
+              <a:buAutoNum type="arabicPeriod"/>
+            </a:pPr>
+            <a:r>
+              <a:rPr lang="en-US" sz="1400" dirty="0">
+                <a:latin typeface="Trebuchet MS" panose="020B0603020202020204" pitchFamily="34" charset="0"/>
+              </a:rPr>
+              <a:t>Prevalence: -Stroke is more significant in female that in male etc.</a:t>
+            </a:r>
+          </a:p>
+          <a:p>
+            <a:pPr marL="342900" indent="-342900" algn="just">
+              <a:lnSpc>
+                <a:spcPct val="150000"/>
+              </a:lnSpc>
+              <a:buFont typeface="+mj-lt"/>
+              <a:buAutoNum type="arabicPeriod"/>
+            </a:pPr>
+            <a:r>
+              <a:rPr lang="en-US" sz="1400" dirty="0">
+                <a:latin typeface="Trebuchet MS" panose="020B0603020202020204" pitchFamily="34" charset="0"/>
+              </a:rPr>
+              <a:t>Geographical variations-we examined the stroke rates across different residential type and we concluded that  geography was not significant. Either in urban or rural stroke rates remains the same.    </a:t>
+            </a:r>
+          </a:p>
+          <a:p>
+            <a:pPr marL="342900" indent="-342900" algn="just">
+              <a:lnSpc>
+                <a:spcPct val="150000"/>
+              </a:lnSpc>
+              <a:buFont typeface="+mj-lt"/>
+              <a:buAutoNum type="arabicPeriod"/>
+            </a:pPr>
+            <a:r>
+              <a:rPr lang="en-US" sz="1400" dirty="0">
+                <a:latin typeface="Trebuchet MS" panose="020B0603020202020204" pitchFamily="34" charset="0"/>
+              </a:rPr>
+              <a:t>Trends: </a:t>
+            </a:r>
+          </a:p>
+          <a:p>
+            <a:pPr marL="800100" lvl="1" indent="-342900" algn="just">
+              <a:lnSpc>
+                <a:spcPct val="150000"/>
+              </a:lnSpc>
+              <a:buFont typeface="+mj-lt"/>
+              <a:buAutoNum type="alphaLcParenR"/>
+            </a:pPr>
+            <a:r>
+              <a:rPr lang="en-US" sz="1400" dirty="0">
+                <a:latin typeface="Trebuchet MS" panose="020B0603020202020204" pitchFamily="34" charset="0"/>
+              </a:rPr>
+              <a:t>Stroke was significant in married couple</a:t>
+            </a:r>
+          </a:p>
+          <a:p>
+            <a:pPr marL="800100" lvl="1" indent="-342900" algn="just">
+              <a:lnSpc>
+                <a:spcPct val="150000"/>
+              </a:lnSpc>
+              <a:buFont typeface="+mj-lt"/>
+              <a:buAutoNum type="alphaLcParenR"/>
+            </a:pPr>
+            <a:r>
+              <a:rPr lang="en-US" sz="1400" dirty="0">
+                <a:latin typeface="Trebuchet MS" panose="020B0603020202020204" pitchFamily="34" charset="0"/>
+              </a:rPr>
+              <a:t>Stroke was significant in those working in private sectors</a:t>
+            </a:r>
+          </a:p>
+          <a:p>
+            <a:pPr marL="800100" lvl="1" indent="-342900" algn="just">
+              <a:lnSpc>
+                <a:spcPct val="150000"/>
+              </a:lnSpc>
+              <a:buFont typeface="+mj-lt"/>
+              <a:buAutoNum type="alphaLcParenR"/>
+            </a:pPr>
+            <a:r>
+              <a:rPr lang="en-US" sz="1400" dirty="0" err="1">
+                <a:latin typeface="Trebuchet MS" panose="020B0603020202020204" pitchFamily="34" charset="0"/>
+              </a:rPr>
+              <a:t>Bmi</a:t>
+            </a:r>
+            <a:r>
+              <a:rPr lang="en-US" sz="1400" dirty="0">
+                <a:latin typeface="Trebuchet MS" panose="020B0603020202020204" pitchFamily="34" charset="0"/>
+              </a:rPr>
+              <a:t> and glucose level are  a causation of stroke</a:t>
+            </a:r>
+          </a:p>
+          <a:p>
+            <a:pPr marL="800100" lvl="1" indent="-342900" algn="just">
+              <a:lnSpc>
+                <a:spcPct val="150000"/>
+              </a:lnSpc>
+              <a:buFont typeface="+mj-lt"/>
+              <a:buAutoNum type="alphaLcParenR"/>
+            </a:pPr>
+            <a:r>
+              <a:rPr lang="en-US" sz="1400" dirty="0">
+                <a:latin typeface="Trebuchet MS" panose="020B0603020202020204" pitchFamily="34" charset="0"/>
+              </a:rPr>
+              <a:t>Average BMI Disparity in Marital Status: Despite considering residence types, the analysis reveals that married individuals exhibit a higher average BMI compared to their unmarried counterparts.	</a:t>
+            </a:r>
+          </a:p>
+          <a:p>
+            <a:pPr marL="800100" lvl="1" indent="-342900" algn="just">
+              <a:lnSpc>
+                <a:spcPct val="150000"/>
+              </a:lnSpc>
+              <a:buFont typeface="+mj-lt"/>
+              <a:buAutoNum type="alphaLcParenR"/>
+            </a:pPr>
+            <a:r>
+              <a:rPr lang="en-US" sz="1400" dirty="0">
+                <a:latin typeface="Trebuchet MS" panose="020B0603020202020204" pitchFamily="34" charset="0"/>
+              </a:rPr>
+              <a:t>Glucose Levels and Smoking Habits: Individuals who smoke demonstrate lower glucose levels in comparison to non-smokers or those who have quit smoking.	</a:t>
+            </a:r>
+          </a:p>
+          <a:p>
+            <a:pPr marL="800100" lvl="1" indent="-342900" algn="just">
+              <a:lnSpc>
+                <a:spcPct val="150000"/>
+              </a:lnSpc>
+              <a:buFont typeface="+mj-lt"/>
+              <a:buAutoNum type="alphaLcParenR"/>
+            </a:pPr>
+            <a:r>
+              <a:rPr lang="en-US" sz="1400" dirty="0">
+                <a:latin typeface="Trebuchet MS" panose="020B0603020202020204" pitchFamily="34" charset="0"/>
+              </a:rPr>
+              <a:t>Association between Glucose Levels, Hypertension, and Employment History: Average glucose levels are found to be higher among individuals without hypertension and comparatively lower  among those who have never worked.</a:t>
+            </a:r>
+          </a:p>
+          <a:p>
+            <a:endParaRPr lang="en-US" dirty="0"/>
+          </a:p>
+          <a:p>
+            <a:pPr>
+              <a:lnSpc>
+                <a:spcPct val="200000"/>
+              </a:lnSpc>
+            </a:pPr>
+            <a:r>
+              <a:rPr lang="en-US" dirty="0"/>
+              <a:t>	</a:t>
             </a:r>
           </a:p>
         </p:txBody>
@@ -5480,7 +5549,7 @@
     </p:spTree>
     <p:extLst>
       <p:ext uri="{BB962C8B-B14F-4D97-AF65-F5344CB8AC3E}">
-        <p14:creationId xmlns:p14="http://schemas.microsoft.com/office/powerpoint/2010/main" val="1873641543"/>
+        <p14:creationId xmlns:p14="http://schemas.microsoft.com/office/powerpoint/2010/main" val="1054683246"/>
       </p:ext>
     </p:extLst>
   </p:cSld>
@@ -5512,21 +5581,21 @@
           <p:cNvPr id="2" name="Title 1">
             <a:extLst>
               <a:ext uri="{FF2B5EF4-FFF2-40B4-BE49-F238E27FC236}">
-                <a16:creationId xmlns:a16="http://schemas.microsoft.com/office/drawing/2014/main" id="{686FCB77-14F2-4A1B-9D09-B6D4837CFA14}"/>
-              </a:ext>
-            </a:extLst>
-          </p:cNvPr>
-          <p:cNvSpPr>
-            <a:spLocks noGrp="1"/>
-          </p:cNvSpPr>
-          <p:nvPr>
-            <p:ph type="ctrTitle"/>
+                <a16:creationId xmlns:a16="http://schemas.microsoft.com/office/drawing/2014/main" id="{C41B82A8-9769-404A-95E9-ED8C48F33287}"/>
+              </a:ext>
+            </a:extLst>
+          </p:cNvPr>
+          <p:cNvSpPr>
+            <a:spLocks noGrp="1"/>
+          </p:cNvSpPr>
+          <p:nvPr>
+            <p:ph type="title"/>
           </p:nvPr>
         </p:nvSpPr>
         <p:spPr>
           <a:xfrm>
-            <a:off x="553940" y="262393"/>
-            <a:ext cx="10193571" cy="588398"/>
+            <a:off x="838200" y="365125"/>
+            <a:ext cx="10515600" cy="453859"/>
           </a:xfrm>
         </p:spPr>
         <p:txBody>
@@ -5535,207 +5604,201 @@
           </a:bodyPr>
           <a:lstStyle/>
           <a:p>
-            <a:r>
-              <a:rPr lang="en-US" sz="4400" dirty="0">
-                <a:latin typeface="Trebuchet MS" panose="020B0603020202020204" pitchFamily="34" charset="0"/>
-              </a:rPr>
-              <a:t>FINDINGS</a:t>
-            </a:r>
-          </a:p>
-        </p:txBody>
-      </p:sp>
-      <p:sp>
-        <p:nvSpPr>
-          <p:cNvPr id="4" name="Rectangle 3">
-            <a:extLst>
-              <a:ext uri="{FF2B5EF4-FFF2-40B4-BE49-F238E27FC236}">
-                <a16:creationId xmlns:a16="http://schemas.microsoft.com/office/drawing/2014/main" id="{01D63495-75F6-40BF-A7DB-59FCCC1CA258}"/>
-              </a:ext>
-            </a:extLst>
-          </p:cNvPr>
-          <p:cNvSpPr/>
-          <p:nvPr/>
+            <a:pPr algn="ctr"/>
+            <a:r>
+              <a:rPr lang="en-US" sz="2800" b="1" dirty="0">
+                <a:latin typeface="Trebuchet MS" panose="020B0603020202020204" pitchFamily="34" charset="0"/>
+              </a:rPr>
+              <a:t>RECOMMENDATIONS</a:t>
+            </a:r>
+          </a:p>
+        </p:txBody>
+      </p:sp>
+      <p:sp>
+        <p:nvSpPr>
+          <p:cNvPr id="3" name="Content Placeholder 2">
+            <a:extLst>
+              <a:ext uri="{FF2B5EF4-FFF2-40B4-BE49-F238E27FC236}">
+                <a16:creationId xmlns:a16="http://schemas.microsoft.com/office/drawing/2014/main" id="{D7CE5FE2-D483-43E7-A929-6B5E41F8C221}"/>
+              </a:ext>
+            </a:extLst>
+          </p:cNvPr>
+          <p:cNvSpPr>
+            <a:spLocks noGrp="1"/>
+          </p:cNvSpPr>
+          <p:nvPr>
+            <p:ph idx="1"/>
+          </p:nvPr>
         </p:nvSpPr>
         <p:spPr>
           <a:xfrm>
-            <a:off x="553939" y="914399"/>
-            <a:ext cx="10193572" cy="5370060"/>
-          </a:xfrm>
-          <a:prstGeom prst="rect">
-            <a:avLst/>
-          </a:prstGeom>
-        </p:spPr>
-        <p:txBody>
-          <a:bodyPr wrap="square">
-            <a:spAutoFit/>
+            <a:off x="838200" y="818984"/>
+            <a:ext cx="10515600" cy="5748793"/>
+          </a:xfrm>
+        </p:spPr>
+        <p:txBody>
+          <a:bodyPr>
+            <a:normAutofit/>
           </a:bodyPr>
           <a:lstStyle/>
           <a:p>
-            <a:pPr algn="just">
-              <a:lnSpc>
-                <a:spcPct val="150000"/>
-              </a:lnSpc>
+            <a:pPr marL="0" indent="0" algn="just">
+              <a:buNone/>
             </a:pPr>
             <a:r>
-              <a:rPr lang="en-US" sz="1400" b="1" dirty="0">
-                <a:latin typeface="Trebuchet MS" panose="020B0603020202020204" pitchFamily="34" charset="0"/>
-              </a:rPr>
-              <a:t>Demographic and other risk factors .</a:t>
-            </a:r>
-          </a:p>
-          <a:p>
-            <a:pPr marL="342900" indent="-342900" algn="just">
-              <a:lnSpc>
-                <a:spcPct val="150000"/>
-              </a:lnSpc>
-              <a:buFont typeface="+mj-lt"/>
-              <a:buAutoNum type="arabicPeriod"/>
+              <a:rPr lang="en-US" sz="1400" dirty="0">
+                <a:latin typeface="Trebuchet MS" panose="020B0603020202020204" pitchFamily="34" charset="0"/>
+              </a:rPr>
+              <a:t>1.  Develop appropriate interventions tailored to address risk factors prevalent in certain demographics. </a:t>
+            </a:r>
+          </a:p>
+          <a:p>
+            <a:pPr marL="0" indent="0" algn="just">
+              <a:buNone/>
             </a:pPr>
             <a:r>
               <a:rPr lang="en-US" sz="1400" dirty="0">
                 <a:latin typeface="Trebuchet MS" panose="020B0603020202020204" pitchFamily="34" charset="0"/>
               </a:rPr>
-              <a:t>Prevalence: -Stroke is more significant in female that in male etc.</a:t>
-            </a:r>
-          </a:p>
-          <a:p>
-            <a:pPr marL="342900" indent="-342900" algn="just">
-              <a:lnSpc>
-                <a:spcPct val="150000"/>
-              </a:lnSpc>
-              <a:buFont typeface="+mj-lt"/>
-              <a:buAutoNum type="arabicPeriod"/>
+              <a:t>2. In lifestyle factors we can launch community programs promoting healthy lifestyles</a:t>
+            </a:r>
+          </a:p>
+          <a:p>
+            <a:pPr marL="0" indent="0" algn="just">
+              <a:buNone/>
             </a:pPr>
             <a:r>
               <a:rPr lang="en-US" sz="1400" dirty="0">
                 <a:latin typeface="Trebuchet MS" panose="020B0603020202020204" pitchFamily="34" charset="0"/>
               </a:rPr>
-              <a:t>Geographical variations-we examined the stroke rates across different residential type and we concluded that  geography was not significant. Either in urban or rural stroke rates remains the same.    </a:t>
-            </a:r>
-          </a:p>
-          <a:p>
-            <a:pPr marL="342900" indent="-342900" algn="just">
-              <a:lnSpc>
-                <a:spcPct val="150000"/>
-              </a:lnSpc>
-              <a:buFont typeface="+mj-lt"/>
-              <a:buAutoNum type="arabicPeriod"/>
+              <a:t>3. Average BMI for married individuals. Explore the factors contributing to the higher average BMI among married individuals. </a:t>
+            </a:r>
+          </a:p>
+          <a:p>
+            <a:pPr marL="457200" lvl="1" indent="0" algn="just">
+              <a:buNone/>
             </a:pPr>
             <a:r>
               <a:rPr lang="en-US" sz="1400" dirty="0">
                 <a:latin typeface="Trebuchet MS" panose="020B0603020202020204" pitchFamily="34" charset="0"/>
               </a:rPr>
-              <a:t>Trends: </a:t>
-            </a:r>
-          </a:p>
-          <a:p>
-            <a:pPr marL="800100" lvl="1" indent="-342900" algn="just">
-              <a:lnSpc>
-                <a:spcPct val="150000"/>
-              </a:lnSpc>
-              <a:buFont typeface="+mj-lt"/>
-              <a:buAutoNum type="alphaLcParenR"/>
+              <a:t>Could it be lifestyle choices, dietary habits, or other socio-economic factors?</a:t>
+            </a:r>
+          </a:p>
+          <a:p>
+            <a:pPr marL="457200" lvl="1" indent="0" algn="just">
+              <a:buNone/>
             </a:pPr>
             <a:r>
               <a:rPr lang="en-US" sz="1400" dirty="0">
                 <a:latin typeface="Trebuchet MS" panose="020B0603020202020204" pitchFamily="34" charset="0"/>
               </a:rPr>
-              <a:t>Stroke was significant in married couple</a:t>
-            </a:r>
-          </a:p>
-          <a:p>
-            <a:pPr marL="800100" lvl="1" indent="-342900" algn="just">
-              <a:lnSpc>
-                <a:spcPct val="150000"/>
-              </a:lnSpc>
-              <a:buFont typeface="+mj-lt"/>
-              <a:buAutoNum type="alphaLcParenR"/>
+              <a:t>Carry out a survey to gather qualitative data on lifestyle choices among married and unmarried individuals.</a:t>
+            </a:r>
+            <a:r>
+              <a:rPr lang="en-US" sz="1000" dirty="0">
+                <a:latin typeface="Trebuchet MS" panose="020B0603020202020204" pitchFamily="34" charset="0"/>
+              </a:rPr>
+              <a:t>	</a:t>
+            </a:r>
+          </a:p>
+          <a:p>
+            <a:pPr marL="0" indent="0" algn="just">
+              <a:buNone/>
             </a:pPr>
             <a:r>
               <a:rPr lang="en-US" sz="1400" dirty="0">
                 <a:latin typeface="Trebuchet MS" panose="020B0603020202020204" pitchFamily="34" charset="0"/>
               </a:rPr>
-              <a:t>Stroke was significant in those working in private sectors</a:t>
-            </a:r>
-          </a:p>
-          <a:p>
-            <a:pPr marL="800100" lvl="1" indent="-342900" algn="just">
-              <a:lnSpc>
-                <a:spcPct val="150000"/>
-              </a:lnSpc>
-              <a:buFont typeface="+mj-lt"/>
-              <a:buAutoNum type="alphaLcParenR"/>
+              <a:t>4. Glucose Levels for Smokers:</a:t>
+            </a:r>
+          </a:p>
+          <a:p>
+            <a:pPr marL="457200" lvl="1" indent="0" algn="just">
+              <a:buNone/>
             </a:pPr>
             <a:r>
-              <a:rPr lang="en-US" sz="1400" dirty="0" err="1">
-                <a:latin typeface="Trebuchet MS" panose="020B0603020202020204" pitchFamily="34" charset="0"/>
-              </a:rPr>
-              <a:t>Bmi</a:t>
-            </a:r>
-            <a:r>
               <a:rPr lang="en-US" sz="1400" dirty="0">
                 <a:latin typeface="Trebuchet MS" panose="020B0603020202020204" pitchFamily="34" charset="0"/>
               </a:rPr>
-              <a:t> and glucose level are  a causation of stroke</a:t>
-            </a:r>
-          </a:p>
-          <a:p>
-            <a:pPr marL="800100" lvl="1" indent="-342900" algn="just">
-              <a:lnSpc>
-                <a:spcPct val="150000"/>
-              </a:lnSpc>
-              <a:buFont typeface="+mj-lt"/>
-              <a:buAutoNum type="alphaLcParenR"/>
+              <a:t>Investigate the reasons behind the lower glucose levels among smokers compared to non-smokers or those who quit smoking. </a:t>
+            </a:r>
+          </a:p>
+          <a:p>
+            <a:pPr marL="457200" lvl="1" indent="0" algn="just">
+              <a:buNone/>
             </a:pPr>
             <a:r>
               <a:rPr lang="en-US" sz="1400" dirty="0">
                 <a:latin typeface="Trebuchet MS" panose="020B0603020202020204" pitchFamily="34" charset="0"/>
               </a:rPr>
-              <a:t>Average BMI Disparity in Marital Status: Despite considering residence types, the analysis reveals that married individuals exhibit a higher average BMI compared to their unmarried counterparts.	</a:t>
-            </a:r>
-          </a:p>
-          <a:p>
-            <a:pPr marL="800100" lvl="1" indent="-342900" algn="just">
-              <a:lnSpc>
-                <a:spcPct val="150000"/>
-              </a:lnSpc>
-              <a:buFont typeface="+mj-lt"/>
-              <a:buAutoNum type="alphaLcParenR"/>
+              <a:t>Assess whether this is due to lifestyle factors or if there are other underlying reasons.	</a:t>
+            </a:r>
+          </a:p>
+          <a:p>
+            <a:pPr marL="457200" lvl="1" indent="0" algn="just">
+              <a:buNone/>
             </a:pPr>
             <a:r>
               <a:rPr lang="en-US" sz="1400" dirty="0">
                 <a:latin typeface="Trebuchet MS" panose="020B0603020202020204" pitchFamily="34" charset="0"/>
               </a:rPr>
-              <a:t>Glucose Levels and Smoking Habits: Individuals who smoke demonstrate lower glucose levels in comparison to non-smokers or those who have quit smoking.	</a:t>
-            </a:r>
-          </a:p>
-          <a:p>
-            <a:pPr marL="800100" lvl="1" indent="-342900" algn="just">
-              <a:lnSpc>
-                <a:spcPct val="150000"/>
-              </a:lnSpc>
-              <a:buFont typeface="+mj-lt"/>
-              <a:buAutoNum type="alphaLcParenR"/>
+              <a:t>Explore the impact of stopping smoking on glucose levels. </a:t>
+            </a:r>
+          </a:p>
+          <a:p>
+            <a:pPr marL="457200" lvl="1" indent="0" algn="just">
+              <a:buNone/>
             </a:pPr>
             <a:r>
               <a:rPr lang="en-US" sz="1400" dirty="0">
                 <a:latin typeface="Trebuchet MS" panose="020B0603020202020204" pitchFamily="34" charset="0"/>
               </a:rPr>
-              <a:t>Association between Glucose Levels, Hypertension, and Employment History: Average glucose levels are found to be higher among individuals without hypertension and comparatively lower  among those who have never worked.</a:t>
-            </a:r>
-          </a:p>
-          <a:p>
-            <a:endParaRPr lang="en-US" dirty="0"/>
-          </a:p>
-          <a:p>
-            <a:pPr>
-              <a:lnSpc>
-                <a:spcPct val="200000"/>
-              </a:lnSpc>
+              <a:t>Carry out a survey or research to identify potential health risks associated with lower glucose levels in smokers.</a:t>
+            </a:r>
+          </a:p>
+          <a:p>
+            <a:pPr marL="0" indent="0" algn="just">
+              <a:buNone/>
             </a:pPr>
             <a:r>
-              <a:rPr lang="en-US" dirty="0"/>
-              <a:t>	</a:t>
+              <a:rPr lang="en-US" sz="1400" dirty="0">
+                <a:latin typeface="Trebuchet MS" panose="020B0603020202020204" pitchFamily="34" charset="0"/>
+              </a:rPr>
+              <a:t>5. Average Glucose Levels and Hypertension versus Employment Status:	</a:t>
+            </a:r>
+          </a:p>
+          <a:p>
+            <a:pPr marL="457200" lvl="1" indent="0" algn="just">
+              <a:buNone/>
+            </a:pPr>
+            <a:r>
+              <a:rPr lang="en-US" sz="1400" dirty="0">
+                <a:latin typeface="Trebuchet MS" panose="020B0603020202020204" pitchFamily="34" charset="0"/>
+              </a:rPr>
+              <a:t>Further investigate the relationship between average glucose levels, hypertension, and employment status to check whether there are specific occupational factors contributing to glucose levels.	</a:t>
+            </a:r>
+          </a:p>
+          <a:p>
+            <a:pPr marL="457200" lvl="1" indent="0" algn="just">
+              <a:buNone/>
+            </a:pPr>
+            <a:r>
+              <a:rPr lang="en-US" sz="1400" dirty="0">
+                <a:latin typeface="Trebuchet MS" panose="020B0603020202020204" pitchFamily="34" charset="0"/>
+              </a:rPr>
+              <a:t>Explore how employment status impacts on lifestyle choices which finally may have an influence glucose level.</a:t>
+            </a:r>
+          </a:p>
+          <a:p>
+            <a:pPr marL="0" indent="0" algn="just">
+              <a:buNone/>
+            </a:pPr>
+            <a:r>
+              <a:rPr lang="en-US" sz="1400" dirty="0">
+                <a:latin typeface="Trebuchet MS" panose="020B0603020202020204" pitchFamily="34" charset="0"/>
+              </a:rPr>
+              <a:t>6. Carry out a research on an equal sample size to investigate the prevalence of stroke among the sectors.</a:t>
             </a:r>
           </a:p>
         </p:txBody>
@@ -5743,7 +5806,7 @@
     </p:spTree>
     <p:extLst>
       <p:ext uri="{BB962C8B-B14F-4D97-AF65-F5344CB8AC3E}">
-        <p14:creationId xmlns:p14="http://schemas.microsoft.com/office/powerpoint/2010/main" val="1054683246"/>
+        <p14:creationId xmlns:p14="http://schemas.microsoft.com/office/powerpoint/2010/main" val="2438299289"/>
       </p:ext>
     </p:extLst>
   </p:cSld>
